--- a/Presentation Puissance 4.pptx
+++ b/Presentation Puissance 4.pptx
@@ -9,8 +9,8 @@
   </p:notesMasterIdLst>
   <p:sldIdLst>
     <p:sldId id="256" r:id="rId2"/>
-    <p:sldId id="257" r:id="rId3"/>
-    <p:sldId id="260" r:id="rId4"/>
+    <p:sldId id="260" r:id="rId3"/>
+    <p:sldId id="257" r:id="rId4"/>
     <p:sldId id="258" r:id="rId5"/>
     <p:sldId id="259" r:id="rId6"/>
     <p:sldId id="261" r:id="rId7"/>
@@ -3064,7 +3064,7 @@
           </a:pPr>
           <a:r>
             <a:rPr lang="fr-FR" sz="1800" noProof="0" dirty="0"/>
-            <a:t>zones d’affichage</a:t>
+            <a:t>Zones d’affichage</a:t>
           </a:r>
         </a:p>
       </dgm:t>
@@ -3276,7 +3276,7 @@
           </a:pPr>
           <a:r>
             <a:rPr lang="fr-FR" sz="1400" noProof="0" dirty="0"/>
-            <a:t>choix du nombre de Lignes et Colonnes.</a:t>
+            <a:t>Choix du nombre de Lignes et Colonnes.</a:t>
           </a:r>
         </a:p>
       </dgm:t>
@@ -3329,7 +3329,7 @@
           </a:pPr>
           <a:r>
             <a:rPr lang="fr-FR" sz="1400" noProof="0" dirty="0"/>
-            <a:t>chronomètre</a:t>
+            <a:t>Chronomètre</a:t>
           </a:r>
         </a:p>
       </dgm:t>
@@ -4814,7 +4814,7 @@
           </a:pPr>
           <a:r>
             <a:rPr lang="fr-FR" sz="1800" kern="1200" noProof="0" dirty="0"/>
-            <a:t>zones d’affichage</a:t>
+            <a:t>Zones d’affichage</a:t>
           </a:r>
         </a:p>
       </dsp:txBody>
@@ -4894,7 +4894,7 @@
           </a:pPr>
           <a:r>
             <a:rPr lang="fr-FR" sz="1400" kern="1200" noProof="0" dirty="0"/>
-            <a:t>choix du nombre de Lignes et Colonnes.</a:t>
+            <a:t>Choix du nombre de Lignes et Colonnes.</a:t>
           </a:r>
         </a:p>
         <a:p>
@@ -4951,7 +4951,7 @@
           </a:pPr>
           <a:r>
             <a:rPr lang="fr-FR" sz="1400" kern="1200" noProof="0" dirty="0"/>
-            <a:t>chronomètre</a:t>
+            <a:t>Chronomètre</a:t>
           </a:r>
         </a:p>
       </dsp:txBody>
@@ -9420,6 +9420,99 @@
 </file>
 
 <file path=ppt/notesSlides/notesSlide1.xml><?xml version="1.0" encoding="utf-8"?>
+<p:notes xmlns:a="http://schemas.openxmlformats.org/drawingml/2006/main" xmlns:r="http://schemas.openxmlformats.org/officeDocument/2006/relationships" xmlns:p="http://schemas.openxmlformats.org/presentationml/2006/main">
+  <p:cSld>
+    <p:spTree>
+      <p:nvGrpSpPr>
+        <p:cNvPr id="1" name=""/>
+        <p:cNvGrpSpPr/>
+        <p:nvPr/>
+      </p:nvGrpSpPr>
+      <p:grpSpPr>
+        <a:xfrm>
+          <a:off x="0" y="0"/>
+          <a:ext cx="0" cy="0"/>
+          <a:chOff x="0" y="0"/>
+          <a:chExt cx="0" cy="0"/>
+        </a:xfrm>
+      </p:grpSpPr>
+      <p:sp>
+        <p:nvSpPr>
+          <p:cNvPr id="2" name="Slide Image Placeholder 1"/>
+          <p:cNvSpPr>
+            <a:spLocks noGrp="1" noRot="1" noChangeAspect="1"/>
+          </p:cNvSpPr>
+          <p:nvPr>
+            <p:ph type="sldImg"/>
+          </p:nvPr>
+        </p:nvSpPr>
+        <p:spPr/>
+      </p:sp>
+      <p:sp>
+        <p:nvSpPr>
+          <p:cNvPr id="3" name="Notes Placeholder 2"/>
+          <p:cNvSpPr>
+            <a:spLocks noGrp="1"/>
+          </p:cNvSpPr>
+          <p:nvPr>
+            <p:ph type="body" idx="1"/>
+          </p:nvPr>
+        </p:nvSpPr>
+        <p:spPr/>
+        <p:txBody>
+          <a:bodyPr/>
+          <a:lstStyle/>
+          <a:p>
+            <a:r>
+              <a:rPr lang="fr-FR" dirty="0"/>
+              <a:t>Mandaté</a:t>
+            </a:r>
+          </a:p>
+          <a:p>
+            <a:r>
+              <a:rPr lang="fr-FR" dirty="0"/>
+              <a:t>designers</a:t>
+            </a:r>
+          </a:p>
+        </p:txBody>
+      </p:sp>
+      <p:sp>
+        <p:nvSpPr>
+          <p:cNvPr id="4" name="Slide Number Placeholder 3"/>
+          <p:cNvSpPr>
+            <a:spLocks noGrp="1"/>
+          </p:cNvSpPr>
+          <p:nvPr>
+            <p:ph type="sldNum" sz="quarter" idx="5"/>
+          </p:nvPr>
+        </p:nvSpPr>
+        <p:spPr/>
+        <p:txBody>
+          <a:bodyPr/>
+          <a:lstStyle/>
+          <a:p>
+            <a:fld id="{86D105C8-9396-4949-BBB7-2ED5AB27A638}" type="slidenum">
+              <a:rPr lang="fr-FR" smtClean="0"/>
+              <a:t>1</a:t>
+            </a:fld>
+            <a:endParaRPr lang="fr-FR"/>
+          </a:p>
+        </p:txBody>
+      </p:sp>
+    </p:spTree>
+    <p:extLst>
+      <p:ext uri="{BB962C8B-B14F-4D97-AF65-F5344CB8AC3E}">
+        <p14:creationId xmlns:p14="http://schemas.microsoft.com/office/powerpoint/2010/main" val="3618139603"/>
+      </p:ext>
+    </p:extLst>
+  </p:cSld>
+  <p:clrMapOvr>
+    <a:masterClrMapping/>
+  </p:clrMapOvr>
+</p:notes>
+</file>
+
+<file path=ppt/notesSlides/notesSlide2.xml><?xml version="1.0" encoding="utf-8"?>
 <p:notes xmlns:a="http://schemas.openxmlformats.org/drawingml/2006/main" xmlns:r="http://schemas.openxmlformats.org/officeDocument/2006/relationships" xmlns:p="http://schemas.openxmlformats.org/presentationml/2006/main">
   <p:cSld>
     <p:spTree>
@@ -13686,7 +13779,7 @@
           <p:nvPr/>
         </p:nvPicPr>
         <p:blipFill>
-          <a:blip r:embed="rId2"/>
+          <a:blip r:embed="rId3"/>
           <a:stretch>
             <a:fillRect/>
           </a:stretch>
@@ -13897,7 +13990,7 @@
           <p:nvPr/>
         </p:nvPicPr>
         <p:blipFill>
-          <a:blip r:embed="rId3"/>
+          <a:blip r:embed="rId4"/>
           <a:stretch>
             <a:fillRect/>
           </a:stretch>
@@ -13927,7 +14020,7 @@
           <p:nvPr/>
         </p:nvPicPr>
         <p:blipFill>
-          <a:blip r:embed="rId4"/>
+          <a:blip r:embed="rId5"/>
           <a:stretch>
             <a:fillRect/>
           </a:stretch>
@@ -14535,6 +14628,1807 @@
 </file>
 
 <file path=ppt/slides/slide2.xml><?xml version="1.0" encoding="utf-8"?>
+<p:sld xmlns:a="http://schemas.openxmlformats.org/drawingml/2006/main" xmlns:r="http://schemas.openxmlformats.org/officeDocument/2006/relationships" xmlns:p="http://schemas.openxmlformats.org/presentationml/2006/main">
+  <p:cSld>
+    <p:bg>
+      <p:bgPr>
+        <a:solidFill>
+          <a:schemeClr val="bg1"/>
+        </a:solidFill>
+        <a:effectLst/>
+      </p:bgPr>
+    </p:bg>
+    <p:spTree>
+      <p:nvGrpSpPr>
+        <p:cNvPr id="1" name=""/>
+        <p:cNvGrpSpPr/>
+        <p:nvPr/>
+      </p:nvGrpSpPr>
+      <p:grpSpPr>
+        <a:xfrm>
+          <a:off x="0" y="0"/>
+          <a:ext cx="0" cy="0"/>
+          <a:chOff x="0" y="0"/>
+          <a:chExt cx="0" cy="0"/>
+        </a:xfrm>
+      </p:grpSpPr>
+      <p:sp useBgFill="1">
+        <p:nvSpPr>
+          <p:cNvPr id="13" name="Rectangle 12">
+            <a:extLst>
+              <a:ext uri="{FF2B5EF4-FFF2-40B4-BE49-F238E27FC236}">
+                <a16:creationId xmlns:a16="http://schemas.microsoft.com/office/drawing/2014/main" id="{F821940F-7A1D-4ACC-85B4-A932898ABB37}"/>
+              </a:ext>
+              <a:ext uri="{C183D7F6-B498-43B3-948B-1728B52AA6E4}">
+                <adec:decorative xmlns:adec="http://schemas.microsoft.com/office/drawing/2017/decorative" val="1"/>
+              </a:ext>
+            </a:extLst>
+          </p:cNvPr>
+          <p:cNvSpPr>
+            <a:spLocks noGrp="1" noRot="1" noChangeAspect="1" noMove="1" noResize="1" noEditPoints="1" noAdjustHandles="1" noChangeArrowheads="1" noChangeShapeType="1" noTextEdit="1"/>
+          </p:cNvSpPr>
+          <p:nvPr>
+            <p:extLst>
+              <p:ext uri="{386F3935-93C4-4BCD-93E2-E3B085C9AB24}">
+                <p16:designElem xmlns:p16="http://schemas.microsoft.com/office/powerpoint/2015/main" val="1"/>
+              </p:ext>
+            </p:extLst>
+          </p:nvPr>
+        </p:nvSpPr>
+        <p:spPr>
+          <a:xfrm>
+            <a:off x="0" y="0"/>
+            <a:ext cx="12192000" cy="6858000"/>
+          </a:xfrm>
+          <a:prstGeom prst="rect">
+            <a:avLst/>
+          </a:prstGeom>
+          <a:ln w="12700" cap="flat" cmpd="sng" algn="ctr">
+            <a:noFill/>
+            <a:prstDash val="solid"/>
+            <a:miter lim="800000"/>
+          </a:ln>
+          <a:effectLst/>
+          <a:extLst>
+            <a:ext uri="{91240B29-F687-4F45-9708-019B960494DF}">
+              <a14:hiddenLine xmlns:a14="http://schemas.microsoft.com/office/drawing/2010/main" w="12700" cap="flat" cmpd="sng" algn="ctr">
+                <a:solidFill>
+                  <a:schemeClr val="accent1">
+                    <a:shade val="50000"/>
+                  </a:schemeClr>
+                </a:solidFill>
+                <a:prstDash val="solid"/>
+                <a:miter lim="800000"/>
+              </a14:hiddenLine>
+            </a:ext>
+          </a:extLst>
+        </p:spPr>
+        <p:style>
+          <a:lnRef idx="2">
+            <a:schemeClr val="accent1">
+              <a:shade val="50000"/>
+            </a:schemeClr>
+          </a:lnRef>
+          <a:fillRef idx="1">
+            <a:schemeClr val="accent1"/>
+          </a:fillRef>
+          <a:effectRef idx="0">
+            <a:schemeClr val="accent1"/>
+          </a:effectRef>
+          <a:fontRef idx="minor">
+            <a:schemeClr val="lt1"/>
+          </a:fontRef>
+        </p:style>
+        <p:txBody>
+          <a:bodyPr rtlCol="0" anchor="ctr"/>
+          <a:lstStyle/>
+          <a:p>
+            <a:pPr algn="ctr"/>
+            <a:endParaRPr lang="en-US"/>
+          </a:p>
+        </p:txBody>
+      </p:sp>
+      <p:sp>
+        <p:nvSpPr>
+          <p:cNvPr id="15" name="Freeform: Shape 14">
+            <a:extLst>
+              <a:ext uri="{FF2B5EF4-FFF2-40B4-BE49-F238E27FC236}">
+                <a16:creationId xmlns:a16="http://schemas.microsoft.com/office/drawing/2014/main" id="{16674508-81D3-48CF-96BF-7FC60EAA572A}"/>
+              </a:ext>
+              <a:ext uri="{C183D7F6-B498-43B3-948B-1728B52AA6E4}">
+                <adec:decorative xmlns:adec="http://schemas.microsoft.com/office/drawing/2017/decorative" val="1"/>
+              </a:ext>
+            </a:extLst>
+          </p:cNvPr>
+          <p:cNvSpPr>
+            <a:spLocks noGrp="1" noRot="1" noChangeAspect="1" noMove="1" noResize="1" noEditPoints="1" noAdjustHandles="1" noChangeArrowheads="1" noChangeShapeType="1" noTextEdit="1"/>
+          </p:cNvSpPr>
+          <p:nvPr>
+            <p:extLst>
+              <p:ext uri="{386F3935-93C4-4BCD-93E2-E3B085C9AB24}">
+                <p16:designElem xmlns:p16="http://schemas.microsoft.com/office/powerpoint/2015/main" val="1"/>
+              </p:ext>
+            </p:extLst>
+          </p:nvPr>
+        </p:nvSpPr>
+        <p:spPr>
+          <a:xfrm>
+            <a:off x="0" y="0"/>
+            <a:ext cx="6741994" cy="6858000"/>
+          </a:xfrm>
+          <a:custGeom>
+            <a:avLst/>
+            <a:gdLst>
+              <a:gd name="connsiteX0" fmla="*/ 0 w 6568309"/>
+              <a:gd name="connsiteY0" fmla="*/ 0 h 6858000"/>
+              <a:gd name="connsiteX1" fmla="*/ 362841 w 6568309"/>
+              <a:gd name="connsiteY1" fmla="*/ 0 h 6858000"/>
+              <a:gd name="connsiteX2" fmla="*/ 523269 w 6568309"/>
+              <a:gd name="connsiteY2" fmla="*/ 0 h 6858000"/>
+              <a:gd name="connsiteX3" fmla="*/ 1343025 w 6568309"/>
+              <a:gd name="connsiteY3" fmla="*/ 0 h 6858000"/>
+              <a:gd name="connsiteX4" fmla="*/ 1705866 w 6568309"/>
+              <a:gd name="connsiteY4" fmla="*/ 0 h 6858000"/>
+              <a:gd name="connsiteX5" fmla="*/ 1866294 w 6568309"/>
+              <a:gd name="connsiteY5" fmla="*/ 0 h 6858000"/>
+              <a:gd name="connsiteX6" fmla="*/ 5225154 w 6568309"/>
+              <a:gd name="connsiteY6" fmla="*/ 0 h 6858000"/>
+              <a:gd name="connsiteX7" fmla="*/ 6568179 w 6568309"/>
+              <a:gd name="connsiteY7" fmla="*/ 0 h 6858000"/>
+              <a:gd name="connsiteX8" fmla="*/ 6568309 w 6568309"/>
+              <a:gd name="connsiteY8" fmla="*/ 1 h 6858000"/>
+              <a:gd name="connsiteX9" fmla="*/ 6562951 w 6568309"/>
+              <a:gd name="connsiteY9" fmla="*/ 30700 h 6858000"/>
+              <a:gd name="connsiteX10" fmla="*/ 6547446 w 6568309"/>
+              <a:gd name="connsiteY10" fmla="*/ 310025 h 6858000"/>
+              <a:gd name="connsiteX11" fmla="*/ 6558316 w 6568309"/>
+              <a:gd name="connsiteY11" fmla="*/ 443960 h 6858000"/>
+              <a:gd name="connsiteX12" fmla="*/ 6528896 w 6568309"/>
+              <a:gd name="connsiteY12" fmla="*/ 642659 h 6858000"/>
+              <a:gd name="connsiteX13" fmla="*/ 6523095 w 6568309"/>
+              <a:gd name="connsiteY13" fmla="*/ 673307 h 6858000"/>
+              <a:gd name="connsiteX14" fmla="*/ 6496169 w 6568309"/>
+              <a:gd name="connsiteY14" fmla="*/ 839641 h 6858000"/>
+              <a:gd name="connsiteX15" fmla="*/ 6450789 w 6568309"/>
+              <a:gd name="connsiteY15" fmla="*/ 958357 h 6858000"/>
+              <a:gd name="connsiteX16" fmla="*/ 6453996 w 6568309"/>
+              <a:gd name="connsiteY16" fmla="*/ 963398 h 6858000"/>
+              <a:gd name="connsiteX17" fmla="*/ 6419467 w 6568309"/>
+              <a:gd name="connsiteY17" fmla="*/ 1117169 h 6858000"/>
+              <a:gd name="connsiteX18" fmla="*/ 6417348 w 6568309"/>
+              <a:gd name="connsiteY18" fmla="*/ 1144352 h 6858000"/>
+              <a:gd name="connsiteX19" fmla="*/ 6418473 w 6568309"/>
+              <a:gd name="connsiteY19" fmla="*/ 1164484 h 6858000"/>
+              <a:gd name="connsiteX20" fmla="*/ 6406979 w 6568309"/>
+              <a:gd name="connsiteY20" fmla="*/ 1213829 h 6858000"/>
+              <a:gd name="connsiteX21" fmla="*/ 6381928 w 6568309"/>
+              <a:gd name="connsiteY21" fmla="*/ 1294823 h 6858000"/>
+              <a:gd name="connsiteX22" fmla="*/ 6377948 w 6568309"/>
+              <a:gd name="connsiteY22" fmla="*/ 1312193 h 6858000"/>
+              <a:gd name="connsiteX23" fmla="*/ 6379894 w 6568309"/>
+              <a:gd name="connsiteY23" fmla="*/ 1327626 h 6858000"/>
+              <a:gd name="connsiteX24" fmla="*/ 6385024 w 6568309"/>
+              <a:gd name="connsiteY24" fmla="*/ 1331644 h 6858000"/>
+              <a:gd name="connsiteX25" fmla="*/ 6383696 w 6568309"/>
+              <a:gd name="connsiteY25" fmla="*/ 1341276 h 6858000"/>
+              <a:gd name="connsiteX26" fmla="*/ 6384464 w 6568309"/>
+              <a:gd name="connsiteY26" fmla="*/ 1343945 h 6858000"/>
+              <a:gd name="connsiteX27" fmla="*/ 6387748 w 6568309"/>
+              <a:gd name="connsiteY27" fmla="*/ 1359134 h 6858000"/>
+              <a:gd name="connsiteX28" fmla="*/ 6364157 w 6568309"/>
+              <a:gd name="connsiteY28" fmla="*/ 1427803 h 6858000"/>
+              <a:gd name="connsiteX29" fmla="*/ 6335874 w 6568309"/>
+              <a:gd name="connsiteY29" fmla="*/ 1540278 h 6858000"/>
+              <a:gd name="connsiteX30" fmla="*/ 6331892 w 6568309"/>
+              <a:gd name="connsiteY30" fmla="*/ 1547262 h 6858000"/>
+              <a:gd name="connsiteX31" fmla="*/ 6332744 w 6568309"/>
+              <a:gd name="connsiteY31" fmla="*/ 1577056 h 6858000"/>
+              <a:gd name="connsiteX32" fmla="*/ 6333604 w 6568309"/>
+              <a:gd name="connsiteY32" fmla="*/ 1595898 h 6858000"/>
+              <a:gd name="connsiteX33" fmla="*/ 6324749 w 6568309"/>
+              <a:gd name="connsiteY33" fmla="*/ 1703726 h 6858000"/>
+              <a:gd name="connsiteX34" fmla="*/ 6329594 w 6568309"/>
+              <a:gd name="connsiteY34" fmla="*/ 1809535 h 6858000"/>
+              <a:gd name="connsiteX35" fmla="*/ 6329062 w 6568309"/>
+              <a:gd name="connsiteY35" fmla="*/ 2018310 h 6858000"/>
+              <a:gd name="connsiteX36" fmla="*/ 6321735 w 6568309"/>
+              <a:gd name="connsiteY36" fmla="*/ 2071355 h 6858000"/>
+              <a:gd name="connsiteX37" fmla="*/ 6322678 w 6568309"/>
+              <a:gd name="connsiteY37" fmla="*/ 2141166 h 6858000"/>
+              <a:gd name="connsiteX38" fmla="*/ 6321340 w 6568309"/>
+              <a:gd name="connsiteY38" fmla="*/ 2154548 h 6858000"/>
+              <a:gd name="connsiteX39" fmla="*/ 6316582 w 6568309"/>
+              <a:gd name="connsiteY39" fmla="*/ 2158153 h 6858000"/>
+              <a:gd name="connsiteX40" fmla="*/ 6311428 w 6568309"/>
+              <a:gd name="connsiteY40" fmla="*/ 2178174 h 6858000"/>
+              <a:gd name="connsiteX41" fmla="*/ 6310192 w 6568309"/>
+              <a:gd name="connsiteY41" fmla="*/ 2202858 h 6858000"/>
+              <a:gd name="connsiteX42" fmla="*/ 6309211 w 6568309"/>
+              <a:gd name="connsiteY42" fmla="*/ 2320214 h 6858000"/>
+              <a:gd name="connsiteX43" fmla="*/ 6300151 w 6568309"/>
+              <a:gd name="connsiteY43" fmla="*/ 2417011 h 6858000"/>
+              <a:gd name="connsiteX44" fmla="*/ 6295176 w 6568309"/>
+              <a:gd name="connsiteY44" fmla="*/ 2454207 h 6858000"/>
+              <a:gd name="connsiteX45" fmla="*/ 6293727 w 6568309"/>
+              <a:gd name="connsiteY45" fmla="*/ 2487203 h 6858000"/>
+              <a:gd name="connsiteX46" fmla="*/ 6285477 w 6568309"/>
+              <a:gd name="connsiteY46" fmla="*/ 2512282 h 6858000"/>
+              <a:gd name="connsiteX47" fmla="*/ 6286205 w 6568309"/>
+              <a:gd name="connsiteY47" fmla="*/ 2514318 h 6858000"/>
+              <a:gd name="connsiteX48" fmla="*/ 6304629 w 6568309"/>
+              <a:gd name="connsiteY48" fmla="*/ 2574334 h 6858000"/>
+              <a:gd name="connsiteX49" fmla="*/ 6303842 w 6568309"/>
+              <a:gd name="connsiteY49" fmla="*/ 2579877 h 6858000"/>
+              <a:gd name="connsiteX50" fmla="*/ 6303953 w 6568309"/>
+              <a:gd name="connsiteY50" fmla="*/ 2608928 h 6858000"/>
+              <a:gd name="connsiteX51" fmla="*/ 6303530 w 6568309"/>
+              <a:gd name="connsiteY51" fmla="*/ 2613111 h 6858000"/>
+              <a:gd name="connsiteX52" fmla="*/ 6297474 w 6568309"/>
+              <a:gd name="connsiteY52" fmla="*/ 2621996 h 6858000"/>
+              <a:gd name="connsiteX53" fmla="*/ 6299263 w 6568309"/>
+              <a:gd name="connsiteY53" fmla="*/ 2634265 h 6858000"/>
+              <a:gd name="connsiteX54" fmla="*/ 6293065 w 6568309"/>
+              <a:gd name="connsiteY54" fmla="*/ 2647237 h 6858000"/>
+              <a:gd name="connsiteX55" fmla="*/ 6297496 w 6568309"/>
+              <a:gd name="connsiteY55" fmla="*/ 2650786 h 6858000"/>
+              <a:gd name="connsiteX56" fmla="*/ 6301708 w 6568309"/>
+              <a:gd name="connsiteY56" fmla="*/ 2661993 h 6858000"/>
+              <a:gd name="connsiteX57" fmla="*/ 6295884 w 6568309"/>
+              <a:gd name="connsiteY57" fmla="*/ 2670949 h 6858000"/>
+              <a:gd name="connsiteX58" fmla="*/ 6291714 w 6568309"/>
+              <a:gd name="connsiteY58" fmla="*/ 2690255 h 6858000"/>
+              <a:gd name="connsiteX59" fmla="*/ 6292327 w 6568309"/>
+              <a:gd name="connsiteY59" fmla="*/ 2695683 h 6858000"/>
+              <a:gd name="connsiteX60" fmla="*/ 6284410 w 6568309"/>
+              <a:gd name="connsiteY60" fmla="*/ 2713964 h 6858000"/>
+              <a:gd name="connsiteX61" fmla="*/ 6280410 w 6568309"/>
+              <a:gd name="connsiteY61" fmla="*/ 2730175 h 6858000"/>
+              <a:gd name="connsiteX62" fmla="*/ 6288082 w 6568309"/>
+              <a:gd name="connsiteY62" fmla="*/ 2763497 h 6858000"/>
+              <a:gd name="connsiteX63" fmla="*/ 6260924 w 6568309"/>
+              <a:gd name="connsiteY63" fmla="*/ 3051539 h 6858000"/>
+              <a:gd name="connsiteX64" fmla="*/ 6210151 w 6568309"/>
+              <a:gd name="connsiteY64" fmla="*/ 3335396 h 6858000"/>
+              <a:gd name="connsiteX65" fmla="*/ 6212034 w 6568309"/>
+              <a:gd name="connsiteY65" fmla="*/ 3456509 h 6858000"/>
+              <a:gd name="connsiteX66" fmla="*/ 6197490 w 6568309"/>
+              <a:gd name="connsiteY66" fmla="*/ 3531827 h 6858000"/>
+              <a:gd name="connsiteX67" fmla="*/ 6208018 w 6568309"/>
+              <a:gd name="connsiteY67" fmla="*/ 3570877 h 6858000"/>
+              <a:gd name="connsiteX68" fmla="*/ 6205920 w 6568309"/>
+              <a:gd name="connsiteY68" fmla="*/ 3583849 h 6858000"/>
+              <a:gd name="connsiteX69" fmla="*/ 6199616 w 6568309"/>
+              <a:gd name="connsiteY69" fmla="*/ 3592763 h 6858000"/>
+              <a:gd name="connsiteX70" fmla="*/ 6181288 w 6568309"/>
+              <a:gd name="connsiteY70" fmla="*/ 3653485 h 6858000"/>
+              <a:gd name="connsiteX71" fmla="*/ 6175963 w 6568309"/>
+              <a:gd name="connsiteY71" fmla="*/ 3670528 h 6858000"/>
+              <a:gd name="connsiteX72" fmla="*/ 6176722 w 6568309"/>
+              <a:gd name="connsiteY72" fmla="*/ 3685990 h 6858000"/>
+              <a:gd name="connsiteX73" fmla="*/ 6181549 w 6568309"/>
+              <a:gd name="connsiteY73" fmla="*/ 3690283 h 6858000"/>
+              <a:gd name="connsiteX74" fmla="*/ 6179476 w 6568309"/>
+              <a:gd name="connsiteY74" fmla="*/ 3699787 h 6858000"/>
+              <a:gd name="connsiteX75" fmla="*/ 6180040 w 6568309"/>
+              <a:gd name="connsiteY75" fmla="*/ 3702486 h 6858000"/>
+              <a:gd name="connsiteX76" fmla="*/ 6182155 w 6568309"/>
+              <a:gd name="connsiteY76" fmla="*/ 3717784 h 6858000"/>
+              <a:gd name="connsiteX77" fmla="*/ 6158980 w 6568309"/>
+              <a:gd name="connsiteY77" fmla="*/ 3746229 h 6858000"/>
+              <a:gd name="connsiteX78" fmla="*/ 6096049 w 6568309"/>
+              <a:gd name="connsiteY78" fmla="*/ 3924910 h 6858000"/>
+              <a:gd name="connsiteX79" fmla="*/ 6069712 w 6568309"/>
+              <a:gd name="connsiteY79" fmla="*/ 3989353 h 6858000"/>
+              <a:gd name="connsiteX80" fmla="*/ 6067330 w 6568309"/>
+              <a:gd name="connsiteY80" fmla="*/ 4033899 h 6858000"/>
+              <a:gd name="connsiteX81" fmla="*/ 6061081 w 6568309"/>
+              <a:gd name="connsiteY81" fmla="*/ 4142250 h 6858000"/>
+              <a:gd name="connsiteX82" fmla="*/ 6042858 w 6568309"/>
+              <a:gd name="connsiteY82" fmla="*/ 4329442 h 6858000"/>
+              <a:gd name="connsiteX83" fmla="*/ 6034182 w 6568309"/>
+              <a:gd name="connsiteY83" fmla="*/ 4456184 h 6858000"/>
+              <a:gd name="connsiteX84" fmla="*/ 6029178 w 6568309"/>
+              <a:gd name="connsiteY84" fmla="*/ 4468478 h 6858000"/>
+              <a:gd name="connsiteX85" fmla="*/ 6029974 w 6568309"/>
+              <a:gd name="connsiteY85" fmla="*/ 4469862 h 6858000"/>
+              <a:gd name="connsiteX86" fmla="*/ 6028340 w 6568309"/>
+              <a:gd name="connsiteY86" fmla="*/ 4483797 h 6858000"/>
+              <a:gd name="connsiteX87" fmla="*/ 6025168 w 6568309"/>
+              <a:gd name="connsiteY87" fmla="*/ 4487091 h 6858000"/>
+              <a:gd name="connsiteX88" fmla="*/ 6023164 w 6568309"/>
+              <a:gd name="connsiteY88" fmla="*/ 4496728 h 6858000"/>
+              <a:gd name="connsiteX89" fmla="*/ 6016839 w 6568309"/>
+              <a:gd name="connsiteY89" fmla="*/ 4515918 h 6858000"/>
+              <a:gd name="connsiteX90" fmla="*/ 6017886 w 6568309"/>
+              <a:gd name="connsiteY90" fmla="*/ 4519316 h 6858000"/>
+              <a:gd name="connsiteX91" fmla="*/ 6011819 w 6568309"/>
+              <a:gd name="connsiteY91" fmla="*/ 4547957 h 6858000"/>
+              <a:gd name="connsiteX92" fmla="*/ 6012791 w 6568309"/>
+              <a:gd name="connsiteY92" fmla="*/ 4548262 h 6858000"/>
+              <a:gd name="connsiteX93" fmla="*/ 6015703 w 6568309"/>
+              <a:gd name="connsiteY93" fmla="*/ 4555939 h 6858000"/>
+              <a:gd name="connsiteX94" fmla="*/ 6018854 w 6568309"/>
+              <a:gd name="connsiteY94" fmla="*/ 4570815 h 6858000"/>
+              <a:gd name="connsiteX95" fmla="*/ 6033000 w 6568309"/>
+              <a:gd name="connsiteY95" fmla="*/ 4633846 h 6858000"/>
+              <a:gd name="connsiteX96" fmla="*/ 6032325 w 6568309"/>
+              <a:gd name="connsiteY96" fmla="*/ 4639816 h 6858000"/>
+              <a:gd name="connsiteX97" fmla="*/ 6032549 w 6568309"/>
+              <a:gd name="connsiteY97" fmla="*/ 4639923 h 6858000"/>
+              <a:gd name="connsiteX98" fmla="*/ 6032309 w 6568309"/>
+              <a:gd name="connsiteY98" fmla="*/ 4646192 h 6858000"/>
+              <a:gd name="connsiteX99" fmla="*/ 6031095 w 6568309"/>
+              <a:gd name="connsiteY99" fmla="*/ 4650706 h 6858000"/>
+              <a:gd name="connsiteX100" fmla="*/ 6029786 w 6568309"/>
+              <a:gd name="connsiteY100" fmla="*/ 4662290 h 6858000"/>
+              <a:gd name="connsiteX101" fmla="*/ 6030911 w 6568309"/>
+              <a:gd name="connsiteY101" fmla="*/ 4666180 h 6858000"/>
+              <a:gd name="connsiteX102" fmla="*/ 6033630 w 6568309"/>
+              <a:gd name="connsiteY102" fmla="*/ 4667585 h 6858000"/>
+              <a:gd name="connsiteX103" fmla="*/ 6033189 w 6568309"/>
+              <a:gd name="connsiteY103" fmla="*/ 4668660 h 6858000"/>
+              <a:gd name="connsiteX104" fmla="*/ 6038764 w 6568309"/>
+              <a:gd name="connsiteY104" fmla="*/ 4689807 h 6858000"/>
+              <a:gd name="connsiteX105" fmla="*/ 6042217 w 6568309"/>
+              <a:gd name="connsiteY105" fmla="*/ 4737890 h 6858000"/>
+              <a:gd name="connsiteX106" fmla="*/ 6040543 w 6568309"/>
+              <a:gd name="connsiteY106" fmla="*/ 4765657 h 6858000"/>
+              <a:gd name="connsiteX107" fmla="*/ 6039956 w 6568309"/>
+              <a:gd name="connsiteY107" fmla="*/ 4841463 h 6858000"/>
+              <a:gd name="connsiteX108" fmla="*/ 6057123 w 6568309"/>
+              <a:gd name="connsiteY108" fmla="*/ 4969863 h 6858000"/>
+              <a:gd name="connsiteX109" fmla="*/ 6055039 w 6568309"/>
+              <a:gd name="connsiteY109" fmla="*/ 4974028 h 6858000"/>
+              <a:gd name="connsiteX110" fmla="*/ 6053462 w 6568309"/>
+              <a:gd name="connsiteY110" fmla="*/ 4980318 h 6858000"/>
+              <a:gd name="connsiteX111" fmla="*/ 6053643 w 6568309"/>
+              <a:gd name="connsiteY111" fmla="*/ 4980501 h 6858000"/>
+              <a:gd name="connsiteX112" fmla="*/ 6051733 w 6568309"/>
+              <a:gd name="connsiteY112" fmla="*/ 4986338 h 6858000"/>
+              <a:gd name="connsiteX113" fmla="*/ 6049602 w 6568309"/>
+              <a:gd name="connsiteY113" fmla="*/ 4991296 h 6858000"/>
+              <a:gd name="connsiteX114" fmla="*/ 6075165 w 6568309"/>
+              <a:gd name="connsiteY114" fmla="*/ 5076895 h 6858000"/>
+              <a:gd name="connsiteX115" fmla="*/ 6073751 w 6568309"/>
+              <a:gd name="connsiteY115" fmla="*/ 5081568 h 6858000"/>
+              <a:gd name="connsiteX116" fmla="*/ 6073150 w 6568309"/>
+              <a:gd name="connsiteY116" fmla="*/ 5088173 h 6858000"/>
+              <a:gd name="connsiteX117" fmla="*/ 6073355 w 6568309"/>
+              <a:gd name="connsiteY117" fmla="*/ 5088300 h 6858000"/>
+              <a:gd name="connsiteX118" fmla="*/ 6072362 w 6568309"/>
+              <a:gd name="connsiteY118" fmla="*/ 5094558 h 6858000"/>
+              <a:gd name="connsiteX119" fmla="*/ 6064726 w 6568309"/>
+              <a:gd name="connsiteY119" fmla="*/ 5125620 h 6858000"/>
+              <a:gd name="connsiteX120" fmla="*/ 6065415 w 6568309"/>
+              <a:gd name="connsiteY120" fmla="*/ 5268004 h 6858000"/>
+              <a:gd name="connsiteX121" fmla="*/ 6066081 w 6568309"/>
+              <a:gd name="connsiteY121" fmla="*/ 5269530 h 6858000"/>
+              <a:gd name="connsiteX122" fmla="*/ 6043407 w 6568309"/>
+              <a:gd name="connsiteY122" fmla="*/ 5390941 h 6858000"/>
+              <a:gd name="connsiteX123" fmla="*/ 6025377 w 6568309"/>
+              <a:gd name="connsiteY123" fmla="*/ 5539927 h 6858000"/>
+              <a:gd name="connsiteX124" fmla="*/ 6010052 w 6568309"/>
+              <a:gd name="connsiteY124" fmla="*/ 5791594 h 6858000"/>
+              <a:gd name="connsiteX125" fmla="*/ 5994220 w 6568309"/>
+              <a:gd name="connsiteY125" fmla="*/ 5855206 h 6858000"/>
+              <a:gd name="connsiteX126" fmla="*/ 5982580 w 6568309"/>
+              <a:gd name="connsiteY126" fmla="*/ 5873582 h 6858000"/>
+              <a:gd name="connsiteX127" fmla="*/ 5983608 w 6568309"/>
+              <a:gd name="connsiteY127" fmla="*/ 5876037 h 6858000"/>
+              <a:gd name="connsiteX128" fmla="*/ 5983535 w 6568309"/>
+              <a:gd name="connsiteY128" fmla="*/ 5886534 h 6858000"/>
+              <a:gd name="connsiteX129" fmla="*/ 5988737 w 6568309"/>
+              <a:gd name="connsiteY129" fmla="*/ 5888644 h 6858000"/>
+              <a:gd name="connsiteX130" fmla="*/ 5992371 w 6568309"/>
+              <a:gd name="connsiteY130" fmla="*/ 5903832 h 6858000"/>
+              <a:gd name="connsiteX131" fmla="*/ 5990780 w 6568309"/>
+              <a:gd name="connsiteY131" fmla="*/ 5923391 h 6858000"/>
+              <a:gd name="connsiteX132" fmla="*/ 5993870 w 6568309"/>
+              <a:gd name="connsiteY132" fmla="*/ 6013205 h 6858000"/>
+              <a:gd name="connsiteX133" fmla="*/ 5997673 w 6568309"/>
+              <a:gd name="connsiteY133" fmla="*/ 6074018 h 6858000"/>
+              <a:gd name="connsiteX134" fmla="*/ 6014840 w 6568309"/>
+              <a:gd name="connsiteY134" fmla="*/ 6130837 h 6858000"/>
+              <a:gd name="connsiteX135" fmla="*/ 6010704 w 6568309"/>
+              <a:gd name="connsiteY135" fmla="*/ 6152982 h 6858000"/>
+              <a:gd name="connsiteX136" fmla="*/ 6038294 w 6568309"/>
+              <a:gd name="connsiteY136" fmla="*/ 6221100 h 6858000"/>
+              <a:gd name="connsiteX137" fmla="*/ 6052331 w 6568309"/>
+              <a:gd name="connsiteY137" fmla="*/ 6287550 h 6858000"/>
+              <a:gd name="connsiteX138" fmla="*/ 6074143 w 6568309"/>
+              <a:gd name="connsiteY138" fmla="*/ 6401595 h 6858000"/>
+              <a:gd name="connsiteX139" fmla="*/ 6060199 w 6568309"/>
+              <a:gd name="connsiteY139" fmla="*/ 6487110 h 6858000"/>
+              <a:gd name="connsiteX140" fmla="*/ 6081156 w 6568309"/>
+              <a:gd name="connsiteY140" fmla="*/ 6588589 h 6858000"/>
+              <a:gd name="connsiteX141" fmla="*/ 6114944 w 6568309"/>
+              <a:gd name="connsiteY141" fmla="*/ 6769963 h 6858000"/>
+              <a:gd name="connsiteX142" fmla="*/ 6128950 w 6568309"/>
+              <a:gd name="connsiteY142" fmla="*/ 6835814 h 6858000"/>
+              <a:gd name="connsiteX143" fmla="*/ 6132536 w 6568309"/>
+              <a:gd name="connsiteY143" fmla="*/ 6858000 h 6858000"/>
+              <a:gd name="connsiteX144" fmla="*/ 4789511 w 6568309"/>
+              <a:gd name="connsiteY144" fmla="*/ 6858000 h 6858000"/>
+              <a:gd name="connsiteX145" fmla="*/ 1866294 w 6568309"/>
+              <a:gd name="connsiteY145" fmla="*/ 6858000 h 6858000"/>
+              <a:gd name="connsiteX146" fmla="*/ 1705866 w 6568309"/>
+              <a:gd name="connsiteY146" fmla="*/ 6858000 h 6858000"/>
+              <a:gd name="connsiteX147" fmla="*/ 1343025 w 6568309"/>
+              <a:gd name="connsiteY147" fmla="*/ 6858000 h 6858000"/>
+              <a:gd name="connsiteX148" fmla="*/ 523269 w 6568309"/>
+              <a:gd name="connsiteY148" fmla="*/ 6858000 h 6858000"/>
+              <a:gd name="connsiteX149" fmla="*/ 362841 w 6568309"/>
+              <a:gd name="connsiteY149" fmla="*/ 6858000 h 6858000"/>
+              <a:gd name="connsiteX150" fmla="*/ 0 w 6568309"/>
+              <a:gd name="connsiteY150" fmla="*/ 6858000 h 6858000"/>
+            </a:gdLst>
+            <a:ahLst/>
+            <a:cxnLst>
+              <a:cxn ang="0">
+                <a:pos x="connsiteX0" y="connsiteY0"/>
+              </a:cxn>
+              <a:cxn ang="0">
+                <a:pos x="connsiteX1" y="connsiteY1"/>
+              </a:cxn>
+              <a:cxn ang="0">
+                <a:pos x="connsiteX2" y="connsiteY2"/>
+              </a:cxn>
+              <a:cxn ang="0">
+                <a:pos x="connsiteX3" y="connsiteY3"/>
+              </a:cxn>
+              <a:cxn ang="0">
+                <a:pos x="connsiteX4" y="connsiteY4"/>
+              </a:cxn>
+              <a:cxn ang="0">
+                <a:pos x="connsiteX5" y="connsiteY5"/>
+              </a:cxn>
+              <a:cxn ang="0">
+                <a:pos x="connsiteX6" y="connsiteY6"/>
+              </a:cxn>
+              <a:cxn ang="0">
+                <a:pos x="connsiteX7" y="connsiteY7"/>
+              </a:cxn>
+              <a:cxn ang="0">
+                <a:pos x="connsiteX8" y="connsiteY8"/>
+              </a:cxn>
+              <a:cxn ang="0">
+                <a:pos x="connsiteX9" y="connsiteY9"/>
+              </a:cxn>
+              <a:cxn ang="0">
+                <a:pos x="connsiteX10" y="connsiteY10"/>
+              </a:cxn>
+              <a:cxn ang="0">
+                <a:pos x="connsiteX11" y="connsiteY11"/>
+              </a:cxn>
+              <a:cxn ang="0">
+                <a:pos x="connsiteX12" y="connsiteY12"/>
+              </a:cxn>
+              <a:cxn ang="0">
+                <a:pos x="connsiteX13" y="connsiteY13"/>
+              </a:cxn>
+              <a:cxn ang="0">
+                <a:pos x="connsiteX14" y="connsiteY14"/>
+              </a:cxn>
+              <a:cxn ang="0">
+                <a:pos x="connsiteX15" y="connsiteY15"/>
+              </a:cxn>
+              <a:cxn ang="0">
+                <a:pos x="connsiteX16" y="connsiteY16"/>
+              </a:cxn>
+              <a:cxn ang="0">
+                <a:pos x="connsiteX17" y="connsiteY17"/>
+              </a:cxn>
+              <a:cxn ang="0">
+                <a:pos x="connsiteX18" y="connsiteY18"/>
+              </a:cxn>
+              <a:cxn ang="0">
+                <a:pos x="connsiteX19" y="connsiteY19"/>
+              </a:cxn>
+              <a:cxn ang="0">
+                <a:pos x="connsiteX20" y="connsiteY20"/>
+              </a:cxn>
+              <a:cxn ang="0">
+                <a:pos x="connsiteX21" y="connsiteY21"/>
+              </a:cxn>
+              <a:cxn ang="0">
+                <a:pos x="connsiteX22" y="connsiteY22"/>
+              </a:cxn>
+              <a:cxn ang="0">
+                <a:pos x="connsiteX23" y="connsiteY23"/>
+              </a:cxn>
+              <a:cxn ang="0">
+                <a:pos x="connsiteX24" y="connsiteY24"/>
+              </a:cxn>
+              <a:cxn ang="0">
+                <a:pos x="connsiteX25" y="connsiteY25"/>
+              </a:cxn>
+              <a:cxn ang="0">
+                <a:pos x="connsiteX26" y="connsiteY26"/>
+              </a:cxn>
+              <a:cxn ang="0">
+                <a:pos x="connsiteX27" y="connsiteY27"/>
+              </a:cxn>
+              <a:cxn ang="0">
+                <a:pos x="connsiteX28" y="connsiteY28"/>
+              </a:cxn>
+              <a:cxn ang="0">
+                <a:pos x="connsiteX29" y="connsiteY29"/>
+              </a:cxn>
+              <a:cxn ang="0">
+                <a:pos x="connsiteX30" y="connsiteY30"/>
+              </a:cxn>
+              <a:cxn ang="0">
+                <a:pos x="connsiteX31" y="connsiteY31"/>
+              </a:cxn>
+              <a:cxn ang="0">
+                <a:pos x="connsiteX32" y="connsiteY32"/>
+              </a:cxn>
+              <a:cxn ang="0">
+                <a:pos x="connsiteX33" y="connsiteY33"/>
+              </a:cxn>
+              <a:cxn ang="0">
+                <a:pos x="connsiteX34" y="connsiteY34"/>
+              </a:cxn>
+              <a:cxn ang="0">
+                <a:pos x="connsiteX35" y="connsiteY35"/>
+              </a:cxn>
+              <a:cxn ang="0">
+                <a:pos x="connsiteX36" y="connsiteY36"/>
+              </a:cxn>
+              <a:cxn ang="0">
+                <a:pos x="connsiteX37" y="connsiteY37"/>
+              </a:cxn>
+              <a:cxn ang="0">
+                <a:pos x="connsiteX38" y="connsiteY38"/>
+              </a:cxn>
+              <a:cxn ang="0">
+                <a:pos x="connsiteX39" y="connsiteY39"/>
+              </a:cxn>
+              <a:cxn ang="0">
+                <a:pos x="connsiteX40" y="connsiteY40"/>
+              </a:cxn>
+              <a:cxn ang="0">
+                <a:pos x="connsiteX41" y="connsiteY41"/>
+              </a:cxn>
+              <a:cxn ang="0">
+                <a:pos x="connsiteX42" y="connsiteY42"/>
+              </a:cxn>
+              <a:cxn ang="0">
+                <a:pos x="connsiteX43" y="connsiteY43"/>
+              </a:cxn>
+              <a:cxn ang="0">
+                <a:pos x="connsiteX44" y="connsiteY44"/>
+              </a:cxn>
+              <a:cxn ang="0">
+                <a:pos x="connsiteX45" y="connsiteY45"/>
+              </a:cxn>
+              <a:cxn ang="0">
+                <a:pos x="connsiteX46" y="connsiteY46"/>
+              </a:cxn>
+              <a:cxn ang="0">
+                <a:pos x="connsiteX47" y="connsiteY47"/>
+              </a:cxn>
+              <a:cxn ang="0">
+                <a:pos x="connsiteX48" y="connsiteY48"/>
+              </a:cxn>
+              <a:cxn ang="0">
+                <a:pos x="connsiteX49" y="connsiteY49"/>
+              </a:cxn>
+              <a:cxn ang="0">
+                <a:pos x="connsiteX50" y="connsiteY50"/>
+              </a:cxn>
+              <a:cxn ang="0">
+                <a:pos x="connsiteX51" y="connsiteY51"/>
+              </a:cxn>
+              <a:cxn ang="0">
+                <a:pos x="connsiteX52" y="connsiteY52"/>
+              </a:cxn>
+              <a:cxn ang="0">
+                <a:pos x="connsiteX53" y="connsiteY53"/>
+              </a:cxn>
+              <a:cxn ang="0">
+                <a:pos x="connsiteX54" y="connsiteY54"/>
+              </a:cxn>
+              <a:cxn ang="0">
+                <a:pos x="connsiteX55" y="connsiteY55"/>
+              </a:cxn>
+              <a:cxn ang="0">
+                <a:pos x="connsiteX56" y="connsiteY56"/>
+              </a:cxn>
+              <a:cxn ang="0">
+                <a:pos x="connsiteX57" y="connsiteY57"/>
+              </a:cxn>
+              <a:cxn ang="0">
+                <a:pos x="connsiteX58" y="connsiteY58"/>
+              </a:cxn>
+              <a:cxn ang="0">
+                <a:pos x="connsiteX59" y="connsiteY59"/>
+              </a:cxn>
+              <a:cxn ang="0">
+                <a:pos x="connsiteX60" y="connsiteY60"/>
+              </a:cxn>
+              <a:cxn ang="0">
+                <a:pos x="connsiteX61" y="connsiteY61"/>
+              </a:cxn>
+              <a:cxn ang="0">
+                <a:pos x="connsiteX62" y="connsiteY62"/>
+              </a:cxn>
+              <a:cxn ang="0">
+                <a:pos x="connsiteX63" y="connsiteY63"/>
+              </a:cxn>
+              <a:cxn ang="0">
+                <a:pos x="connsiteX64" y="connsiteY64"/>
+              </a:cxn>
+              <a:cxn ang="0">
+                <a:pos x="connsiteX65" y="connsiteY65"/>
+              </a:cxn>
+              <a:cxn ang="0">
+                <a:pos x="connsiteX66" y="connsiteY66"/>
+              </a:cxn>
+              <a:cxn ang="0">
+                <a:pos x="connsiteX67" y="connsiteY67"/>
+              </a:cxn>
+              <a:cxn ang="0">
+                <a:pos x="connsiteX68" y="connsiteY68"/>
+              </a:cxn>
+              <a:cxn ang="0">
+                <a:pos x="connsiteX69" y="connsiteY69"/>
+              </a:cxn>
+              <a:cxn ang="0">
+                <a:pos x="connsiteX70" y="connsiteY70"/>
+              </a:cxn>
+              <a:cxn ang="0">
+                <a:pos x="connsiteX71" y="connsiteY71"/>
+              </a:cxn>
+              <a:cxn ang="0">
+                <a:pos x="connsiteX72" y="connsiteY72"/>
+              </a:cxn>
+              <a:cxn ang="0">
+                <a:pos x="connsiteX73" y="connsiteY73"/>
+              </a:cxn>
+              <a:cxn ang="0">
+                <a:pos x="connsiteX74" y="connsiteY74"/>
+              </a:cxn>
+              <a:cxn ang="0">
+                <a:pos x="connsiteX75" y="connsiteY75"/>
+              </a:cxn>
+              <a:cxn ang="0">
+                <a:pos x="connsiteX76" y="connsiteY76"/>
+              </a:cxn>
+              <a:cxn ang="0">
+                <a:pos x="connsiteX77" y="connsiteY77"/>
+              </a:cxn>
+              <a:cxn ang="0">
+                <a:pos x="connsiteX78" y="connsiteY78"/>
+              </a:cxn>
+              <a:cxn ang="0">
+                <a:pos x="connsiteX79" y="connsiteY79"/>
+              </a:cxn>
+              <a:cxn ang="0">
+                <a:pos x="connsiteX80" y="connsiteY80"/>
+              </a:cxn>
+              <a:cxn ang="0">
+                <a:pos x="connsiteX81" y="connsiteY81"/>
+              </a:cxn>
+              <a:cxn ang="0">
+                <a:pos x="connsiteX82" y="connsiteY82"/>
+              </a:cxn>
+              <a:cxn ang="0">
+                <a:pos x="connsiteX83" y="connsiteY83"/>
+              </a:cxn>
+              <a:cxn ang="0">
+                <a:pos x="connsiteX84" y="connsiteY84"/>
+              </a:cxn>
+              <a:cxn ang="0">
+                <a:pos x="connsiteX85" y="connsiteY85"/>
+              </a:cxn>
+              <a:cxn ang="0">
+                <a:pos x="connsiteX86" y="connsiteY86"/>
+              </a:cxn>
+              <a:cxn ang="0">
+                <a:pos x="connsiteX87" y="connsiteY87"/>
+              </a:cxn>
+              <a:cxn ang="0">
+                <a:pos x="connsiteX88" y="connsiteY88"/>
+              </a:cxn>
+              <a:cxn ang="0">
+                <a:pos x="connsiteX89" y="connsiteY89"/>
+              </a:cxn>
+              <a:cxn ang="0">
+                <a:pos x="connsiteX90" y="connsiteY90"/>
+              </a:cxn>
+              <a:cxn ang="0">
+                <a:pos x="connsiteX91" y="connsiteY91"/>
+              </a:cxn>
+              <a:cxn ang="0">
+                <a:pos x="connsiteX92" y="connsiteY92"/>
+              </a:cxn>
+              <a:cxn ang="0">
+                <a:pos x="connsiteX93" y="connsiteY93"/>
+              </a:cxn>
+              <a:cxn ang="0">
+                <a:pos x="connsiteX94" y="connsiteY94"/>
+              </a:cxn>
+              <a:cxn ang="0">
+                <a:pos x="connsiteX95" y="connsiteY95"/>
+              </a:cxn>
+              <a:cxn ang="0">
+                <a:pos x="connsiteX96" y="connsiteY96"/>
+              </a:cxn>
+              <a:cxn ang="0">
+                <a:pos x="connsiteX97" y="connsiteY97"/>
+              </a:cxn>
+              <a:cxn ang="0">
+                <a:pos x="connsiteX98" y="connsiteY98"/>
+              </a:cxn>
+              <a:cxn ang="0">
+                <a:pos x="connsiteX99" y="connsiteY99"/>
+              </a:cxn>
+              <a:cxn ang="0">
+                <a:pos x="connsiteX100" y="connsiteY100"/>
+              </a:cxn>
+              <a:cxn ang="0">
+                <a:pos x="connsiteX101" y="connsiteY101"/>
+              </a:cxn>
+              <a:cxn ang="0">
+                <a:pos x="connsiteX102" y="connsiteY102"/>
+              </a:cxn>
+              <a:cxn ang="0">
+                <a:pos x="connsiteX103" y="connsiteY103"/>
+              </a:cxn>
+              <a:cxn ang="0">
+                <a:pos x="connsiteX104" y="connsiteY104"/>
+              </a:cxn>
+              <a:cxn ang="0">
+                <a:pos x="connsiteX105" y="connsiteY105"/>
+              </a:cxn>
+              <a:cxn ang="0">
+                <a:pos x="connsiteX106" y="connsiteY106"/>
+              </a:cxn>
+              <a:cxn ang="0">
+                <a:pos x="connsiteX107" y="connsiteY107"/>
+              </a:cxn>
+              <a:cxn ang="0">
+                <a:pos x="connsiteX108" y="connsiteY108"/>
+              </a:cxn>
+              <a:cxn ang="0">
+                <a:pos x="connsiteX109" y="connsiteY109"/>
+              </a:cxn>
+              <a:cxn ang="0">
+                <a:pos x="connsiteX110" y="connsiteY110"/>
+              </a:cxn>
+              <a:cxn ang="0">
+                <a:pos x="connsiteX111" y="connsiteY111"/>
+              </a:cxn>
+              <a:cxn ang="0">
+                <a:pos x="connsiteX112" y="connsiteY112"/>
+              </a:cxn>
+              <a:cxn ang="0">
+                <a:pos x="connsiteX113" y="connsiteY113"/>
+              </a:cxn>
+              <a:cxn ang="0">
+                <a:pos x="connsiteX114" y="connsiteY114"/>
+              </a:cxn>
+              <a:cxn ang="0">
+                <a:pos x="connsiteX115" y="connsiteY115"/>
+              </a:cxn>
+              <a:cxn ang="0">
+                <a:pos x="connsiteX116" y="connsiteY116"/>
+              </a:cxn>
+              <a:cxn ang="0">
+                <a:pos x="connsiteX117" y="connsiteY117"/>
+              </a:cxn>
+              <a:cxn ang="0">
+                <a:pos x="connsiteX118" y="connsiteY118"/>
+              </a:cxn>
+              <a:cxn ang="0">
+                <a:pos x="connsiteX119" y="connsiteY119"/>
+              </a:cxn>
+              <a:cxn ang="0">
+                <a:pos x="connsiteX120" y="connsiteY120"/>
+              </a:cxn>
+              <a:cxn ang="0">
+                <a:pos x="connsiteX121" y="connsiteY121"/>
+              </a:cxn>
+              <a:cxn ang="0">
+                <a:pos x="connsiteX122" y="connsiteY122"/>
+              </a:cxn>
+              <a:cxn ang="0">
+                <a:pos x="connsiteX123" y="connsiteY123"/>
+              </a:cxn>
+              <a:cxn ang="0">
+                <a:pos x="connsiteX124" y="connsiteY124"/>
+              </a:cxn>
+              <a:cxn ang="0">
+                <a:pos x="connsiteX125" y="connsiteY125"/>
+              </a:cxn>
+              <a:cxn ang="0">
+                <a:pos x="connsiteX126" y="connsiteY126"/>
+              </a:cxn>
+              <a:cxn ang="0">
+                <a:pos x="connsiteX127" y="connsiteY127"/>
+              </a:cxn>
+              <a:cxn ang="0">
+                <a:pos x="connsiteX128" y="connsiteY128"/>
+              </a:cxn>
+              <a:cxn ang="0">
+                <a:pos x="connsiteX129" y="connsiteY129"/>
+              </a:cxn>
+              <a:cxn ang="0">
+                <a:pos x="connsiteX130" y="connsiteY130"/>
+              </a:cxn>
+              <a:cxn ang="0">
+                <a:pos x="connsiteX131" y="connsiteY131"/>
+              </a:cxn>
+              <a:cxn ang="0">
+                <a:pos x="connsiteX132" y="connsiteY132"/>
+              </a:cxn>
+              <a:cxn ang="0">
+                <a:pos x="connsiteX133" y="connsiteY133"/>
+              </a:cxn>
+              <a:cxn ang="0">
+                <a:pos x="connsiteX134" y="connsiteY134"/>
+              </a:cxn>
+              <a:cxn ang="0">
+                <a:pos x="connsiteX135" y="connsiteY135"/>
+              </a:cxn>
+              <a:cxn ang="0">
+                <a:pos x="connsiteX136" y="connsiteY136"/>
+              </a:cxn>
+              <a:cxn ang="0">
+                <a:pos x="connsiteX137" y="connsiteY137"/>
+              </a:cxn>
+              <a:cxn ang="0">
+                <a:pos x="connsiteX138" y="connsiteY138"/>
+              </a:cxn>
+              <a:cxn ang="0">
+                <a:pos x="connsiteX139" y="connsiteY139"/>
+              </a:cxn>
+              <a:cxn ang="0">
+                <a:pos x="connsiteX140" y="connsiteY140"/>
+              </a:cxn>
+              <a:cxn ang="0">
+                <a:pos x="connsiteX141" y="connsiteY141"/>
+              </a:cxn>
+              <a:cxn ang="0">
+                <a:pos x="connsiteX142" y="connsiteY142"/>
+              </a:cxn>
+              <a:cxn ang="0">
+                <a:pos x="connsiteX143" y="connsiteY143"/>
+              </a:cxn>
+              <a:cxn ang="0">
+                <a:pos x="connsiteX144" y="connsiteY144"/>
+              </a:cxn>
+              <a:cxn ang="0">
+                <a:pos x="connsiteX145" y="connsiteY145"/>
+              </a:cxn>
+              <a:cxn ang="0">
+                <a:pos x="connsiteX146" y="connsiteY146"/>
+              </a:cxn>
+              <a:cxn ang="0">
+                <a:pos x="connsiteX147" y="connsiteY147"/>
+              </a:cxn>
+              <a:cxn ang="0">
+                <a:pos x="connsiteX148" y="connsiteY148"/>
+              </a:cxn>
+              <a:cxn ang="0">
+                <a:pos x="connsiteX149" y="connsiteY149"/>
+              </a:cxn>
+              <a:cxn ang="0">
+                <a:pos x="connsiteX150" y="connsiteY150"/>
+              </a:cxn>
+            </a:cxnLst>
+            <a:rect l="l" t="t" r="r" b="b"/>
+            <a:pathLst>
+              <a:path w="6568309" h="6858000">
+                <a:moveTo>
+                  <a:pt x="0" y="0"/>
+                </a:moveTo>
+                <a:lnTo>
+                  <a:pt x="362841" y="0"/>
+                </a:lnTo>
+                <a:lnTo>
+                  <a:pt x="523269" y="0"/>
+                </a:lnTo>
+                <a:lnTo>
+                  <a:pt x="1343025" y="0"/>
+                </a:lnTo>
+                <a:lnTo>
+                  <a:pt x="1705866" y="0"/>
+                </a:lnTo>
+                <a:lnTo>
+                  <a:pt x="1866294" y="0"/>
+                </a:lnTo>
+                <a:lnTo>
+                  <a:pt x="5225154" y="0"/>
+                </a:lnTo>
+                <a:lnTo>
+                  <a:pt x="6568179" y="0"/>
+                </a:lnTo>
+                <a:lnTo>
+                  <a:pt x="6568309" y="1"/>
+                </a:lnTo>
+                <a:lnTo>
+                  <a:pt x="6562951" y="30700"/>
+                </a:lnTo>
+                <a:cubicBezTo>
+                  <a:pt x="6559126" y="84364"/>
+                  <a:pt x="6548218" y="241149"/>
+                  <a:pt x="6547446" y="310025"/>
+                </a:cubicBezTo>
+                <a:cubicBezTo>
+                  <a:pt x="6550151" y="367544"/>
+                  <a:pt x="6557712" y="408251"/>
+                  <a:pt x="6558316" y="443960"/>
+                </a:cubicBezTo>
+                <a:cubicBezTo>
+                  <a:pt x="6555224" y="499397"/>
+                  <a:pt x="6534767" y="604434"/>
+                  <a:pt x="6528896" y="642659"/>
+                </a:cubicBezTo>
+                <a:cubicBezTo>
+                  <a:pt x="6535204" y="657287"/>
+                  <a:pt x="6515365" y="658191"/>
+                  <a:pt x="6523095" y="673307"/>
+                </a:cubicBezTo>
+                <a:cubicBezTo>
+                  <a:pt x="6523388" y="693769"/>
+                  <a:pt x="6506868" y="797295"/>
+                  <a:pt x="6496169" y="839641"/>
+                </a:cubicBezTo>
+                <a:cubicBezTo>
+                  <a:pt x="6484119" y="887148"/>
+                  <a:pt x="6457817" y="937731"/>
+                  <a:pt x="6450789" y="958357"/>
+                </a:cubicBezTo>
+                <a:cubicBezTo>
+                  <a:pt x="6443760" y="978983"/>
+                  <a:pt x="6459217" y="936930"/>
+                  <a:pt x="6453996" y="963398"/>
+                </a:cubicBezTo>
+                <a:cubicBezTo>
+                  <a:pt x="6448777" y="989867"/>
+                  <a:pt x="6425575" y="1087010"/>
+                  <a:pt x="6419467" y="1117169"/>
+                </a:cubicBezTo>
+                <a:cubicBezTo>
+                  <a:pt x="6431540" y="1118586"/>
+                  <a:pt x="6409651" y="1135372"/>
+                  <a:pt x="6417348" y="1144352"/>
+                </a:cubicBezTo>
+                <a:cubicBezTo>
+                  <a:pt x="6424109" y="1150681"/>
+                  <a:pt x="6419047" y="1157251"/>
+                  <a:pt x="6418473" y="1164484"/>
+                </a:cubicBezTo>
+                <a:cubicBezTo>
+                  <a:pt x="6423767" y="1173524"/>
+                  <a:pt x="6413947" y="1205209"/>
+                  <a:pt x="6406979" y="1213829"/>
+                </a:cubicBezTo>
+                <a:cubicBezTo>
+                  <a:pt x="6382818" y="1235037"/>
+                  <a:pt x="6400452" y="1277327"/>
+                  <a:pt x="6381928" y="1294823"/>
+                </a:cubicBezTo>
+                <a:cubicBezTo>
+                  <a:pt x="6379195" y="1300845"/>
+                  <a:pt x="6378069" y="1306615"/>
+                  <a:pt x="6377948" y="1312193"/>
+                </a:cubicBezTo>
+                <a:lnTo>
+                  <a:pt x="6379894" y="1327626"/>
+                </a:lnTo>
+                <a:lnTo>
+                  <a:pt x="6385024" y="1331644"/>
+                </a:lnTo>
+                <a:lnTo>
+                  <a:pt x="6383696" y="1341276"/>
+                </a:lnTo>
+                <a:cubicBezTo>
+                  <a:pt x="6383952" y="1342166"/>
+                  <a:pt x="6384208" y="1343055"/>
+                  <a:pt x="6384464" y="1343945"/>
+                </a:cubicBezTo>
+                <a:cubicBezTo>
+                  <a:pt x="6385957" y="1349040"/>
+                  <a:pt x="6387253" y="1354080"/>
+                  <a:pt x="6387748" y="1359134"/>
+                </a:cubicBezTo>
+                <a:cubicBezTo>
+                  <a:pt x="6384363" y="1373109"/>
+                  <a:pt x="6372802" y="1397612"/>
+                  <a:pt x="6364157" y="1427803"/>
+                </a:cubicBezTo>
+                <a:cubicBezTo>
+                  <a:pt x="6348141" y="1460349"/>
+                  <a:pt x="6348362" y="1505076"/>
+                  <a:pt x="6335874" y="1540278"/>
+                </a:cubicBezTo>
+                <a:lnTo>
+                  <a:pt x="6331892" y="1547262"/>
+                </a:lnTo>
+                <a:lnTo>
+                  <a:pt x="6332744" y="1577056"/>
+                </a:lnTo>
+                <a:cubicBezTo>
+                  <a:pt x="6335859" y="1582205"/>
+                  <a:pt x="6336674" y="1589568"/>
+                  <a:pt x="6333604" y="1595898"/>
+                </a:cubicBezTo>
+                <a:lnTo>
+                  <a:pt x="6324749" y="1703726"/>
+                </a:lnTo>
+                <a:cubicBezTo>
+                  <a:pt x="6324080" y="1739332"/>
+                  <a:pt x="6318019" y="1754453"/>
+                  <a:pt x="6329594" y="1809535"/>
+                </a:cubicBezTo>
+                <a:cubicBezTo>
+                  <a:pt x="6344930" y="1868036"/>
+                  <a:pt x="6323725" y="1952670"/>
+                  <a:pt x="6329062" y="2018310"/>
+                </a:cubicBezTo>
+                <a:cubicBezTo>
+                  <a:pt x="6308075" y="2053162"/>
+                  <a:pt x="6326925" y="2034561"/>
+                  <a:pt x="6321735" y="2071355"/>
+                </a:cubicBezTo>
+                <a:lnTo>
+                  <a:pt x="6322678" y="2141166"/>
+                </a:lnTo>
+                <a:lnTo>
+                  <a:pt x="6321340" y="2154548"/>
+                </a:lnTo>
+                <a:lnTo>
+                  <a:pt x="6316582" y="2158153"/>
+                </a:lnTo>
+                <a:lnTo>
+                  <a:pt x="6311428" y="2178174"/>
+                </a:lnTo>
+                <a:cubicBezTo>
+                  <a:pt x="6310177" y="2185696"/>
+                  <a:pt x="6309622" y="2193828"/>
+                  <a:pt x="6310192" y="2202858"/>
+                </a:cubicBezTo>
+                <a:cubicBezTo>
+                  <a:pt x="6319667" y="2232772"/>
+                  <a:pt x="6296459" y="2283357"/>
+                  <a:pt x="6309211" y="2320214"/>
+                </a:cubicBezTo>
+                <a:cubicBezTo>
+                  <a:pt x="6307537" y="2355906"/>
+                  <a:pt x="6302490" y="2394678"/>
+                  <a:pt x="6300151" y="2417011"/>
+                </a:cubicBezTo>
+                <a:cubicBezTo>
+                  <a:pt x="6292303" y="2426377"/>
+                  <a:pt x="6304439" y="2456509"/>
+                  <a:pt x="6295176" y="2454207"/>
+                </a:cubicBezTo>
+                <a:cubicBezTo>
+                  <a:pt x="6299335" y="2464947"/>
+                  <a:pt x="6297305" y="2476105"/>
+                  <a:pt x="6293727" y="2487203"/>
+                </a:cubicBezTo>
+                <a:lnTo>
+                  <a:pt x="6285477" y="2512282"/>
+                </a:lnTo>
+                <a:cubicBezTo>
+                  <a:pt x="6285720" y="2512961"/>
+                  <a:pt x="6285962" y="2513640"/>
+                  <a:pt x="6286205" y="2514318"/>
+                </a:cubicBezTo>
+                <a:cubicBezTo>
+                  <a:pt x="6292347" y="2534324"/>
+                  <a:pt x="6298487" y="2554328"/>
+                  <a:pt x="6304629" y="2574334"/>
+                </a:cubicBezTo>
+                <a:lnTo>
+                  <a:pt x="6303842" y="2579877"/>
+                </a:lnTo>
+                <a:cubicBezTo>
+                  <a:pt x="6303729" y="2585644"/>
+                  <a:pt x="6304006" y="2603388"/>
+                  <a:pt x="6303953" y="2608928"/>
+                </a:cubicBezTo>
+                <a:lnTo>
+                  <a:pt x="6303530" y="2613111"/>
+                </a:lnTo>
+                <a:lnTo>
+                  <a:pt x="6297474" y="2621996"/>
+                </a:lnTo>
+                <a:lnTo>
+                  <a:pt x="6299263" y="2634265"/>
+                </a:lnTo>
+                <a:lnTo>
+                  <a:pt x="6293065" y="2647237"/>
+                </a:lnTo>
+                <a:cubicBezTo>
+                  <a:pt x="6294685" y="2648158"/>
+                  <a:pt x="6296180" y="2649356"/>
+                  <a:pt x="6297496" y="2650786"/>
+                </a:cubicBezTo>
+                <a:lnTo>
+                  <a:pt x="6301708" y="2661993"/>
+                </a:lnTo>
+                <a:lnTo>
+                  <a:pt x="6295884" y="2670949"/>
+                </a:lnTo>
+                <a:cubicBezTo>
+                  <a:pt x="6304913" y="2672007"/>
+                  <a:pt x="6294429" y="2681695"/>
+                  <a:pt x="6291714" y="2690255"/>
+                </a:cubicBezTo>
+                <a:lnTo>
+                  <a:pt x="6292327" y="2695683"/>
+                </a:lnTo>
+                <a:lnTo>
+                  <a:pt x="6284410" y="2713964"/>
+                </a:lnTo>
+                <a:lnTo>
+                  <a:pt x="6280410" y="2730175"/>
+                </a:lnTo>
+                <a:lnTo>
+                  <a:pt x="6288082" y="2763497"/>
+                </a:lnTo>
+                <a:lnTo>
+                  <a:pt x="6260924" y="3051539"/>
+                </a:lnTo>
+                <a:cubicBezTo>
+                  <a:pt x="6251455" y="3165645"/>
+                  <a:pt x="6222174" y="3216611"/>
+                  <a:pt x="6210151" y="3335396"/>
+                </a:cubicBezTo>
+                <a:lnTo>
+                  <a:pt x="6212034" y="3456509"/>
+                </a:lnTo>
+                <a:lnTo>
+                  <a:pt x="6197490" y="3531827"/>
+                </a:lnTo>
+                <a:lnTo>
+                  <a:pt x="6208018" y="3570877"/>
+                </a:lnTo>
+                <a:lnTo>
+                  <a:pt x="6205920" y="3583849"/>
+                </a:lnTo>
+                <a:lnTo>
+                  <a:pt x="6199616" y="3592763"/>
+                </a:lnTo>
+                <a:cubicBezTo>
+                  <a:pt x="6191839" y="3613948"/>
+                  <a:pt x="6196204" y="3641245"/>
+                  <a:pt x="6181288" y="3653485"/>
+                </a:cubicBezTo>
+                <a:cubicBezTo>
+                  <a:pt x="6178087" y="3659316"/>
+                  <a:pt x="6176516" y="3664985"/>
+                  <a:pt x="6175963" y="3670528"/>
+                </a:cubicBezTo>
+                <a:lnTo>
+                  <a:pt x="6176722" y="3685990"/>
+                </a:lnTo>
+                <a:lnTo>
+                  <a:pt x="6181549" y="3690283"/>
+                </a:lnTo>
+                <a:lnTo>
+                  <a:pt x="6179476" y="3699787"/>
+                </a:lnTo>
+                <a:cubicBezTo>
+                  <a:pt x="6179664" y="3700686"/>
+                  <a:pt x="6179852" y="3701586"/>
+                  <a:pt x="6180040" y="3702486"/>
+                </a:cubicBezTo>
+                <a:cubicBezTo>
+                  <a:pt x="6181140" y="3707637"/>
+                  <a:pt x="6182047" y="3712728"/>
+                  <a:pt x="6182155" y="3717784"/>
+                </a:cubicBezTo>
+                <a:cubicBezTo>
+                  <a:pt x="6156678" y="3711701"/>
+                  <a:pt x="6178864" y="3759789"/>
+                  <a:pt x="6158980" y="3746229"/>
+                </a:cubicBezTo>
+                <a:cubicBezTo>
+                  <a:pt x="6144630" y="3780750"/>
+                  <a:pt x="6117520" y="3867558"/>
+                  <a:pt x="6096049" y="3924910"/>
+                </a:cubicBezTo>
+                <a:lnTo>
+                  <a:pt x="6069712" y="3989353"/>
+                </a:lnTo>
+                <a:lnTo>
+                  <a:pt x="6067330" y="4033899"/>
+                </a:lnTo>
+                <a:cubicBezTo>
+                  <a:pt x="6065506" y="4070470"/>
+                  <a:pt x="6063599" y="4110146"/>
+                  <a:pt x="6061081" y="4142250"/>
+                </a:cubicBezTo>
+                <a:cubicBezTo>
+                  <a:pt x="6055260" y="4200007"/>
+                  <a:pt x="6045907" y="4278998"/>
+                  <a:pt x="6042858" y="4329442"/>
+                </a:cubicBezTo>
+                <a:cubicBezTo>
+                  <a:pt x="6038376" y="4381764"/>
+                  <a:pt x="6036461" y="4433012"/>
+                  <a:pt x="6034182" y="4456184"/>
+                </a:cubicBezTo>
+                <a:lnTo>
+                  <a:pt x="6029178" y="4468478"/>
+                </a:lnTo>
+                <a:lnTo>
+                  <a:pt x="6029974" y="4469862"/>
+                </a:lnTo>
+                <a:cubicBezTo>
+                  <a:pt x="6031287" y="4476321"/>
+                  <a:pt x="6030316" y="4480555"/>
+                  <a:pt x="6028340" y="4483797"/>
+                </a:cubicBezTo>
+                <a:lnTo>
+                  <a:pt x="6025168" y="4487091"/>
+                </a:lnTo>
+                <a:lnTo>
+                  <a:pt x="6023164" y="4496728"/>
+                </a:lnTo>
+                <a:lnTo>
+                  <a:pt x="6016839" y="4515918"/>
+                </a:lnTo>
+                <a:cubicBezTo>
+                  <a:pt x="6017189" y="4517049"/>
+                  <a:pt x="6017537" y="4518182"/>
+                  <a:pt x="6017886" y="4519316"/>
+                </a:cubicBezTo>
+                <a:lnTo>
+                  <a:pt x="6011819" y="4547957"/>
+                </a:lnTo>
+                <a:lnTo>
+                  <a:pt x="6012791" y="4548262"/>
+                </a:lnTo>
+                <a:cubicBezTo>
+                  <a:pt x="6014837" y="4549595"/>
+                  <a:pt x="6016087" y="4551811"/>
+                  <a:pt x="6015703" y="4555939"/>
+                </a:cubicBezTo>
+                <a:cubicBezTo>
+                  <a:pt x="6031790" y="4548276"/>
+                  <a:pt x="6021405" y="4557977"/>
+                  <a:pt x="6018854" y="4570815"/>
+                </a:cubicBezTo>
+                <a:cubicBezTo>
+                  <a:pt x="6021736" y="4583801"/>
+                  <a:pt x="6030754" y="4622347"/>
+                  <a:pt x="6033000" y="4633846"/>
+                </a:cubicBezTo>
+                <a:lnTo>
+                  <a:pt x="6032325" y="4639816"/>
+                </a:lnTo>
+                <a:lnTo>
+                  <a:pt x="6032549" y="4639923"/>
+                </a:lnTo>
+                <a:cubicBezTo>
+                  <a:pt x="6032911" y="4641190"/>
+                  <a:pt x="6032878" y="4643141"/>
+                  <a:pt x="6032309" y="4646192"/>
+                </a:cubicBezTo>
+                <a:lnTo>
+                  <a:pt x="6031095" y="4650706"/>
+                </a:lnTo>
+                <a:lnTo>
+                  <a:pt x="6029786" y="4662290"/>
+                </a:lnTo>
+                <a:cubicBezTo>
+                  <a:pt x="6030161" y="4663587"/>
+                  <a:pt x="6030536" y="4664883"/>
+                  <a:pt x="6030911" y="4666180"/>
+                </a:cubicBezTo>
+                <a:lnTo>
+                  <a:pt x="6033630" y="4667585"/>
+                </a:lnTo>
+                <a:lnTo>
+                  <a:pt x="6033189" y="4668660"/>
+                </a:lnTo>
+                <a:cubicBezTo>
+                  <a:pt x="6027286" y="4676831"/>
+                  <a:pt x="6019767" y="4679345"/>
+                  <a:pt x="6038764" y="4689807"/>
+                </a:cubicBezTo>
+                <a:cubicBezTo>
+                  <a:pt x="6028616" y="4708535"/>
+                  <a:pt x="6040474" y="4712235"/>
+                  <a:pt x="6042217" y="4737890"/>
+                </a:cubicBezTo>
+                <a:cubicBezTo>
+                  <a:pt x="6033362" y="4748600"/>
+                  <a:pt x="6035273" y="4757223"/>
+                  <a:pt x="6040543" y="4765657"/>
+                </a:cubicBezTo>
+                <a:cubicBezTo>
+                  <a:pt x="6034416" y="4790618"/>
+                  <a:pt x="6040696" y="4813399"/>
+                  <a:pt x="6039956" y="4841463"/>
+                </a:cubicBezTo>
+                <a:lnTo>
+                  <a:pt x="6057123" y="4969863"/>
+                </a:lnTo>
+                <a:lnTo>
+                  <a:pt x="6055039" y="4974028"/>
+                </a:lnTo>
+                <a:cubicBezTo>
+                  <a:pt x="6053860" y="4976933"/>
+                  <a:pt x="6053409" y="4978909"/>
+                  <a:pt x="6053462" y="4980318"/>
+                </a:cubicBezTo>
+                <a:lnTo>
+                  <a:pt x="6053643" y="4980501"/>
+                </a:lnTo>
+                <a:lnTo>
+                  <a:pt x="6051733" y="4986338"/>
+                </a:lnTo>
+                <a:lnTo>
+                  <a:pt x="6049602" y="4991296"/>
+                </a:lnTo>
+                <a:cubicBezTo>
+                  <a:pt x="6058123" y="5019829"/>
+                  <a:pt x="6066643" y="5048361"/>
+                  <a:pt x="6075165" y="5076895"/>
+                </a:cubicBezTo>
+                <a:lnTo>
+                  <a:pt x="6073751" y="5081568"/>
+                </a:lnTo>
+                <a:cubicBezTo>
+                  <a:pt x="6073034" y="5084748"/>
+                  <a:pt x="6072888" y="5086810"/>
+                  <a:pt x="6073150" y="5088173"/>
+                </a:cubicBezTo>
+                <a:lnTo>
+                  <a:pt x="6073355" y="5088300"/>
+                </a:lnTo>
+                <a:lnTo>
+                  <a:pt x="6072362" y="5094558"/>
+                </a:lnTo>
+                <a:cubicBezTo>
+                  <a:pt x="6070184" y="5105196"/>
+                  <a:pt x="6067588" y="5115626"/>
+                  <a:pt x="6064726" y="5125620"/>
+                </a:cubicBezTo>
+                <a:cubicBezTo>
+                  <a:pt x="6063568" y="5154527"/>
+                  <a:pt x="6065189" y="5244020"/>
+                  <a:pt x="6065415" y="5268004"/>
+                </a:cubicBezTo>
+                <a:cubicBezTo>
+                  <a:pt x="6065637" y="5268513"/>
+                  <a:pt x="6065860" y="5269021"/>
+                  <a:pt x="6066081" y="5269530"/>
+                </a:cubicBezTo>
+                <a:lnTo>
+                  <a:pt x="6043407" y="5390941"/>
+                </a:lnTo>
+                <a:cubicBezTo>
+                  <a:pt x="6032545" y="5438194"/>
+                  <a:pt x="6020942" y="5465286"/>
+                  <a:pt x="6025377" y="5539927"/>
+                </a:cubicBezTo>
+                <a:cubicBezTo>
+                  <a:pt x="6019787" y="5610775"/>
+                  <a:pt x="6013913" y="5740573"/>
+                  <a:pt x="6010052" y="5791594"/>
+                </a:cubicBezTo>
+                <a:cubicBezTo>
+                  <a:pt x="5989401" y="5787060"/>
+                  <a:pt x="6018524" y="5849672"/>
+                  <a:pt x="5994220" y="5855206"/>
+                </a:cubicBezTo>
+                <a:cubicBezTo>
+                  <a:pt x="5995282" y="5860240"/>
+                  <a:pt x="5980598" y="5868910"/>
+                  <a:pt x="5982580" y="5873582"/>
+                </a:cubicBezTo>
+                <a:cubicBezTo>
+                  <a:pt x="5982922" y="5874401"/>
+                  <a:pt x="5983265" y="5875218"/>
+                  <a:pt x="5983608" y="5876037"/>
+                </a:cubicBezTo>
+                <a:lnTo>
+                  <a:pt x="5983535" y="5886534"/>
+                </a:lnTo>
+                <a:lnTo>
+                  <a:pt x="5988737" y="5888644"/>
+                </a:lnTo>
+                <a:cubicBezTo>
+                  <a:pt x="5989948" y="5893707"/>
+                  <a:pt x="5991159" y="5898769"/>
+                  <a:pt x="5992371" y="5903832"/>
+                </a:cubicBezTo>
+                <a:cubicBezTo>
+                  <a:pt x="5992924" y="5909651"/>
+                  <a:pt x="5992578" y="5916068"/>
+                  <a:pt x="5990780" y="5923391"/>
+                </a:cubicBezTo>
+                <a:cubicBezTo>
+                  <a:pt x="5975822" y="5948880"/>
+                  <a:pt x="6013580" y="5981626"/>
+                  <a:pt x="5993870" y="6013205"/>
+                </a:cubicBezTo>
+                <a:cubicBezTo>
+                  <a:pt x="5988486" y="6024901"/>
+                  <a:pt x="5991718" y="6066777"/>
+                  <a:pt x="5997673" y="6074018"/>
+                </a:cubicBezTo>
+                <a:cubicBezTo>
+                  <a:pt x="5998007" y="6081731"/>
+                  <a:pt x="6007861" y="6126985"/>
+                  <a:pt x="6014840" y="6130837"/>
+                </a:cubicBezTo>
+                <a:cubicBezTo>
+                  <a:pt x="6022998" y="6137057"/>
+                  <a:pt x="5999420" y="6156330"/>
+                  <a:pt x="6010704" y="6152982"/>
+                </a:cubicBezTo>
+                <a:cubicBezTo>
+                  <a:pt x="6008682" y="6186619"/>
+                  <a:pt x="6039938" y="6191636"/>
+                  <a:pt x="6038294" y="6221100"/>
+                </a:cubicBezTo>
+                <a:cubicBezTo>
+                  <a:pt x="6039643" y="6222126"/>
+                  <a:pt x="6046356" y="6257468"/>
+                  <a:pt x="6052331" y="6287550"/>
+                </a:cubicBezTo>
+                <a:cubicBezTo>
+                  <a:pt x="6058307" y="6317632"/>
+                  <a:pt x="6082079" y="6391312"/>
+                  <a:pt x="6074143" y="6401595"/>
+                </a:cubicBezTo>
+                <a:cubicBezTo>
+                  <a:pt x="6074931" y="6423902"/>
+                  <a:pt x="6059614" y="6432919"/>
+                  <a:pt x="6060199" y="6487110"/>
+                </a:cubicBezTo>
+                <a:cubicBezTo>
+                  <a:pt x="6075583" y="6574474"/>
+                  <a:pt x="6076150" y="6553611"/>
+                  <a:pt x="6081156" y="6588589"/>
+                </a:cubicBezTo>
+                <a:cubicBezTo>
+                  <a:pt x="6102088" y="6637976"/>
+                  <a:pt x="6067660" y="6687723"/>
+                  <a:pt x="6114944" y="6769963"/>
+                </a:cubicBezTo>
+                <a:cubicBezTo>
+                  <a:pt x="6130462" y="6819284"/>
+                  <a:pt x="6119243" y="6817955"/>
+                  <a:pt x="6128950" y="6835814"/>
+                </a:cubicBezTo>
+                <a:lnTo>
+                  <a:pt x="6132536" y="6858000"/>
+                </a:lnTo>
+                <a:lnTo>
+                  <a:pt x="4789511" y="6858000"/>
+                </a:lnTo>
+                <a:lnTo>
+                  <a:pt x="1866294" y="6858000"/>
+                </a:lnTo>
+                <a:lnTo>
+                  <a:pt x="1705866" y="6858000"/>
+                </a:lnTo>
+                <a:lnTo>
+                  <a:pt x="1343025" y="6858000"/>
+                </a:lnTo>
+                <a:lnTo>
+                  <a:pt x="523269" y="6858000"/>
+                </a:lnTo>
+                <a:lnTo>
+                  <a:pt x="362841" y="6858000"/>
+                </a:lnTo>
+                <a:lnTo>
+                  <a:pt x="0" y="6858000"/>
+                </a:lnTo>
+                <a:close/>
+              </a:path>
+            </a:pathLst>
+          </a:custGeom>
+          <a:solidFill>
+            <a:srgbClr val="82766A">
+              <a:alpha val="15000"/>
+            </a:srgbClr>
+          </a:solidFill>
+          <a:ln>
+            <a:noFill/>
+          </a:ln>
+        </p:spPr>
+        <p:style>
+          <a:lnRef idx="2">
+            <a:schemeClr val="accent1">
+              <a:shade val="50000"/>
+            </a:schemeClr>
+          </a:lnRef>
+          <a:fillRef idx="1">
+            <a:schemeClr val="accent1"/>
+          </a:fillRef>
+          <a:effectRef idx="0">
+            <a:schemeClr val="accent1"/>
+          </a:effectRef>
+          <a:fontRef idx="minor">
+            <a:schemeClr val="lt1"/>
+          </a:fontRef>
+        </p:style>
+        <p:txBody>
+          <a:bodyPr wrap="square" rtlCol="0" anchor="ctr">
+            <a:noAutofit/>
+          </a:bodyPr>
+          <a:lstStyle/>
+          <a:p>
+            <a:pPr algn="ctr"/>
+            <a:endParaRPr lang="en-US"/>
+          </a:p>
+        </p:txBody>
+      </p:sp>
+      <p:sp>
+        <p:nvSpPr>
+          <p:cNvPr id="2" name="Title 1">
+            <a:extLst>
+              <a:ext uri="{FF2B5EF4-FFF2-40B4-BE49-F238E27FC236}">
+                <a16:creationId xmlns:a16="http://schemas.microsoft.com/office/drawing/2014/main" id="{71C63CA1-9966-D04D-43CB-1AE29B2EA812}"/>
+              </a:ext>
+            </a:extLst>
+          </p:cNvPr>
+          <p:cNvSpPr>
+            <a:spLocks noGrp="1"/>
+          </p:cNvSpPr>
+          <p:nvPr>
+            <p:ph type="title"/>
+          </p:nvPr>
+        </p:nvSpPr>
+        <p:spPr>
+          <a:xfrm>
+            <a:off x="1137034" y="609600"/>
+            <a:ext cx="3178488" cy="1330840"/>
+          </a:xfrm>
+        </p:spPr>
+        <p:txBody>
+          <a:bodyPr vert="horz" lIns="91440" tIns="45720" rIns="91440" bIns="45720" rtlCol="0" anchor="ctr">
+            <a:normAutofit/>
+          </a:bodyPr>
+          <a:lstStyle/>
+          <a:p>
+            <a:r>
+              <a:rPr lang="en-US" kern="1200" dirty="0">
+                <a:solidFill>
+                  <a:schemeClr val="tx1"/>
+                </a:solidFill>
+                <a:latin typeface="+mj-lt"/>
+                <a:ea typeface="+mj-ea"/>
+                <a:cs typeface="+mj-cs"/>
+              </a:rPr>
+              <a:t>Qui suis-je ?</a:t>
+            </a:r>
+          </a:p>
+        </p:txBody>
+      </p:sp>
+      <p:sp>
+        <p:nvSpPr>
+          <p:cNvPr id="8" name="TextBox 7">
+            <a:extLst>
+              <a:ext uri="{FF2B5EF4-FFF2-40B4-BE49-F238E27FC236}">
+                <a16:creationId xmlns:a16="http://schemas.microsoft.com/office/drawing/2014/main" id="{00827941-1FB9-C495-106C-9EF8573A9FCD}"/>
+              </a:ext>
+            </a:extLst>
+          </p:cNvPr>
+          <p:cNvSpPr txBox="1"/>
+          <p:nvPr/>
+        </p:nvSpPr>
+        <p:spPr>
+          <a:xfrm>
+            <a:off x="1614485" y="2999679"/>
+            <a:ext cx="3513024" cy="1330840"/>
+          </a:xfrm>
+          <a:prstGeom prst="rect">
+            <a:avLst/>
+          </a:prstGeom>
+        </p:spPr>
+        <p:txBody>
+          <a:bodyPr vert="horz" lIns="91440" tIns="45720" rIns="91440" bIns="45720" rtlCol="0">
+            <a:normAutofit/>
+          </a:bodyPr>
+          <a:lstStyle/>
+          <a:p>
+            <a:pPr indent="-228600">
+              <a:lnSpc>
+                <a:spcPct val="90000"/>
+              </a:lnSpc>
+              <a:spcAft>
+                <a:spcPts val="600"/>
+              </a:spcAft>
+              <a:buFont typeface="Arial" panose="020B0604020202020204" pitchFamily="34" charset="0"/>
+              <a:buChar char="•"/>
+            </a:pPr>
+            <a:r>
+              <a:rPr lang="fr-FR" sz="2400" dirty="0"/>
+              <a:t>Baptiste Crepin</a:t>
+            </a:r>
+          </a:p>
+          <a:p>
+            <a:pPr indent="-228600">
+              <a:lnSpc>
+                <a:spcPct val="90000"/>
+              </a:lnSpc>
+              <a:spcAft>
+                <a:spcPts val="600"/>
+              </a:spcAft>
+              <a:buFont typeface="Arial" panose="020B0604020202020204" pitchFamily="34" charset="0"/>
+              <a:buChar char="•"/>
+            </a:pPr>
+            <a:r>
+              <a:rPr lang="fr-FR" sz="2400" dirty="0"/>
+              <a:t>Développeur </a:t>
+            </a:r>
+            <a:r>
+              <a:rPr lang="fr-FR" sz="2400" dirty="0" err="1"/>
+              <a:t>Front-End</a:t>
+            </a:r>
+            <a:endParaRPr lang="fr-FR" sz="2400" dirty="0"/>
+          </a:p>
+          <a:p>
+            <a:pPr indent="-228600">
+              <a:lnSpc>
+                <a:spcPct val="90000"/>
+              </a:lnSpc>
+              <a:spcAft>
+                <a:spcPts val="600"/>
+              </a:spcAft>
+              <a:buFont typeface="Arial" panose="020B0604020202020204" pitchFamily="34" charset="0"/>
+              <a:buChar char="•"/>
+            </a:pPr>
+            <a:r>
+              <a:rPr lang="fr-FR" sz="2400" dirty="0"/>
+              <a:t>En charge de ce projet</a:t>
+            </a:r>
+          </a:p>
+        </p:txBody>
+      </p:sp>
+      <p:pic>
+        <p:nvPicPr>
+          <p:cNvPr id="7" name="Content Placeholder 6" descr="A person wearing glasses&#10;&#10;Description automatically generated with medium confidence">
+            <a:extLst>
+              <a:ext uri="{FF2B5EF4-FFF2-40B4-BE49-F238E27FC236}">
+                <a16:creationId xmlns:a16="http://schemas.microsoft.com/office/drawing/2014/main" id="{D85B5D42-B3C9-A422-EFF7-B450711C6E37}"/>
+              </a:ext>
+            </a:extLst>
+          </p:cNvPr>
+          <p:cNvPicPr>
+            <a:picLocks noGrp="1" noChangeAspect="1"/>
+          </p:cNvPicPr>
+          <p:nvPr>
+            <p:ph idx="1"/>
+          </p:nvPr>
+        </p:nvPicPr>
+        <p:blipFill rotWithShape="1">
+          <a:blip r:embed="rId2"/>
+          <a:srcRect l="18889" t="21361" b="4475"/>
+          <a:stretch/>
+        </p:blipFill>
+        <p:spPr>
+          <a:xfrm>
+            <a:off x="7747213" y="1332340"/>
+            <a:ext cx="3439567" cy="4193319"/>
+          </a:xfrm>
+          <a:prstGeom prst="rect">
+            <a:avLst/>
+          </a:prstGeom>
+        </p:spPr>
+      </p:pic>
+      <p:sp>
+        <p:nvSpPr>
+          <p:cNvPr id="4" name="Footer Placeholder 3">
+            <a:extLst>
+              <a:ext uri="{FF2B5EF4-FFF2-40B4-BE49-F238E27FC236}">
+                <a16:creationId xmlns:a16="http://schemas.microsoft.com/office/drawing/2014/main" id="{CCCE359B-951A-5DF9-8BB4-BC4723C085A0}"/>
+              </a:ext>
+            </a:extLst>
+          </p:cNvPr>
+          <p:cNvSpPr>
+            <a:spLocks noGrp="1"/>
+          </p:cNvSpPr>
+          <p:nvPr>
+            <p:ph type="ftr" sz="quarter" idx="11"/>
+          </p:nvPr>
+        </p:nvSpPr>
+        <p:spPr>
+          <a:xfrm>
+            <a:off x="200722" y="6356350"/>
+            <a:ext cx="4114800" cy="365125"/>
+          </a:xfrm>
+        </p:spPr>
+        <p:txBody>
+          <a:bodyPr vert="horz" lIns="91440" tIns="45720" rIns="91440" bIns="45720" rtlCol="0" anchor="ctr">
+            <a:normAutofit/>
+          </a:bodyPr>
+          <a:lstStyle/>
+          <a:p>
+            <a:pPr>
+              <a:spcAft>
+                <a:spcPts val="600"/>
+              </a:spcAft>
+            </a:pPr>
+            <a:r>
+              <a:rPr lang="fr-FR" sz="1000" kern="1200" dirty="0">
+                <a:solidFill>
+                  <a:schemeClr val="tx1">
+                    <a:tint val="75000"/>
+                  </a:schemeClr>
+                </a:solidFill>
+                <a:latin typeface="+mn-lt"/>
+                <a:ea typeface="+mn-ea"/>
+                <a:cs typeface="+mn-cs"/>
+              </a:rPr>
+              <a:t>Projet puissance 4</a:t>
+            </a:r>
+          </a:p>
+        </p:txBody>
+      </p:sp>
+      <p:sp>
+        <p:nvSpPr>
+          <p:cNvPr id="5" name="Slide Number Placeholder 4">
+            <a:extLst>
+              <a:ext uri="{FF2B5EF4-FFF2-40B4-BE49-F238E27FC236}">
+                <a16:creationId xmlns:a16="http://schemas.microsoft.com/office/drawing/2014/main" id="{09696D16-8241-1248-DB72-3D0F30DAD946}"/>
+              </a:ext>
+            </a:extLst>
+          </p:cNvPr>
+          <p:cNvSpPr>
+            <a:spLocks noGrp="1"/>
+          </p:cNvSpPr>
+          <p:nvPr>
+            <p:ph type="sldNum" sz="quarter" idx="12"/>
+          </p:nvPr>
+        </p:nvSpPr>
+        <p:spPr>
+          <a:xfrm>
+            <a:off x="8610600" y="6356350"/>
+            <a:ext cx="2743200" cy="365125"/>
+          </a:xfrm>
+        </p:spPr>
+        <p:txBody>
+          <a:bodyPr vert="horz" lIns="91440" tIns="45720" rIns="91440" bIns="45720" rtlCol="0" anchor="ctr">
+            <a:normAutofit/>
+          </a:bodyPr>
+          <a:lstStyle/>
+          <a:p>
+            <a:pPr>
+              <a:spcAft>
+                <a:spcPts val="600"/>
+              </a:spcAft>
+            </a:pPr>
+            <a:fld id="{187FB21E-1B03-0C42-9374-16DB4897BA14}" type="slidenum">
+              <a:rPr lang="en-US" sz="1000"/>
+              <a:pPr>
+                <a:spcAft>
+                  <a:spcPts val="600"/>
+                </a:spcAft>
+              </a:pPr>
+              <a:t>2</a:t>
+            </a:fld>
+            <a:endParaRPr lang="en-US" sz="1000"/>
+          </a:p>
+        </p:txBody>
+      </p:sp>
+    </p:spTree>
+    <p:extLst>
+      <p:ext uri="{BB962C8B-B14F-4D97-AF65-F5344CB8AC3E}">
+        <p14:creationId xmlns:p14="http://schemas.microsoft.com/office/powerpoint/2010/main" val="594594998"/>
+      </p:ext>
+    </p:extLst>
+  </p:cSld>
+  <p:clrMapOvr>
+    <a:masterClrMapping/>
+  </p:clrMapOvr>
+</p:sld>
+</file>
+
+<file path=ppt/slides/slide3.xml><?xml version="1.0" encoding="utf-8"?>
 <p:sld xmlns:a="http://schemas.openxmlformats.org/drawingml/2006/main" xmlns:r="http://schemas.openxmlformats.org/officeDocument/2006/relationships" xmlns:p="http://schemas.openxmlformats.org/presentationml/2006/main">
   <p:cSld>
     <p:bg>
@@ -15918,7 +17812,7 @@
           <a:p>
             <a:fld id="{187FB21E-1B03-0C42-9374-16DB4897BA14}" type="slidenum">
               <a:rPr lang="fr-FR" smtClean="0"/>
-              <a:t>2</a:t>
+              <a:t>3</a:t>
             </a:fld>
             <a:endParaRPr lang="fr-FR"/>
           </a:p>
@@ -15928,1807 +17822,6 @@
     <p:extLst>
       <p:ext uri="{BB962C8B-B14F-4D97-AF65-F5344CB8AC3E}">
         <p14:creationId xmlns:p14="http://schemas.microsoft.com/office/powerpoint/2010/main" val="531809723"/>
-      </p:ext>
-    </p:extLst>
-  </p:cSld>
-  <p:clrMapOvr>
-    <a:masterClrMapping/>
-  </p:clrMapOvr>
-</p:sld>
-</file>
-
-<file path=ppt/slides/slide3.xml><?xml version="1.0" encoding="utf-8"?>
-<p:sld xmlns:a="http://schemas.openxmlformats.org/drawingml/2006/main" xmlns:r="http://schemas.openxmlformats.org/officeDocument/2006/relationships" xmlns:p="http://schemas.openxmlformats.org/presentationml/2006/main">
-  <p:cSld>
-    <p:bg>
-      <p:bgPr>
-        <a:solidFill>
-          <a:schemeClr val="bg1"/>
-        </a:solidFill>
-        <a:effectLst/>
-      </p:bgPr>
-    </p:bg>
-    <p:spTree>
-      <p:nvGrpSpPr>
-        <p:cNvPr id="1" name=""/>
-        <p:cNvGrpSpPr/>
-        <p:nvPr/>
-      </p:nvGrpSpPr>
-      <p:grpSpPr>
-        <a:xfrm>
-          <a:off x="0" y="0"/>
-          <a:ext cx="0" cy="0"/>
-          <a:chOff x="0" y="0"/>
-          <a:chExt cx="0" cy="0"/>
-        </a:xfrm>
-      </p:grpSpPr>
-      <p:sp useBgFill="1">
-        <p:nvSpPr>
-          <p:cNvPr id="13" name="Rectangle 12">
-            <a:extLst>
-              <a:ext uri="{FF2B5EF4-FFF2-40B4-BE49-F238E27FC236}">
-                <a16:creationId xmlns:a16="http://schemas.microsoft.com/office/drawing/2014/main" id="{F821940F-7A1D-4ACC-85B4-A932898ABB37}"/>
-              </a:ext>
-              <a:ext uri="{C183D7F6-B498-43B3-948B-1728B52AA6E4}">
-                <adec:decorative xmlns:adec="http://schemas.microsoft.com/office/drawing/2017/decorative" val="1"/>
-              </a:ext>
-            </a:extLst>
-          </p:cNvPr>
-          <p:cNvSpPr>
-            <a:spLocks noGrp="1" noRot="1" noChangeAspect="1" noMove="1" noResize="1" noEditPoints="1" noAdjustHandles="1" noChangeArrowheads="1" noChangeShapeType="1" noTextEdit="1"/>
-          </p:cNvSpPr>
-          <p:nvPr>
-            <p:extLst>
-              <p:ext uri="{386F3935-93C4-4BCD-93E2-E3B085C9AB24}">
-                <p16:designElem xmlns:p16="http://schemas.microsoft.com/office/powerpoint/2015/main" val="1"/>
-              </p:ext>
-            </p:extLst>
-          </p:nvPr>
-        </p:nvSpPr>
-        <p:spPr>
-          <a:xfrm>
-            <a:off x="0" y="0"/>
-            <a:ext cx="12192000" cy="6858000"/>
-          </a:xfrm>
-          <a:prstGeom prst="rect">
-            <a:avLst/>
-          </a:prstGeom>
-          <a:ln w="12700" cap="flat" cmpd="sng" algn="ctr">
-            <a:noFill/>
-            <a:prstDash val="solid"/>
-            <a:miter lim="800000"/>
-          </a:ln>
-          <a:effectLst/>
-          <a:extLst>
-            <a:ext uri="{91240B29-F687-4F45-9708-019B960494DF}">
-              <a14:hiddenLine xmlns:a14="http://schemas.microsoft.com/office/drawing/2010/main" w="12700" cap="flat" cmpd="sng" algn="ctr">
-                <a:solidFill>
-                  <a:schemeClr val="accent1">
-                    <a:shade val="50000"/>
-                  </a:schemeClr>
-                </a:solidFill>
-                <a:prstDash val="solid"/>
-                <a:miter lim="800000"/>
-              </a14:hiddenLine>
-            </a:ext>
-          </a:extLst>
-        </p:spPr>
-        <p:style>
-          <a:lnRef idx="2">
-            <a:schemeClr val="accent1">
-              <a:shade val="50000"/>
-            </a:schemeClr>
-          </a:lnRef>
-          <a:fillRef idx="1">
-            <a:schemeClr val="accent1"/>
-          </a:fillRef>
-          <a:effectRef idx="0">
-            <a:schemeClr val="accent1"/>
-          </a:effectRef>
-          <a:fontRef idx="minor">
-            <a:schemeClr val="lt1"/>
-          </a:fontRef>
-        </p:style>
-        <p:txBody>
-          <a:bodyPr rtlCol="0" anchor="ctr"/>
-          <a:lstStyle/>
-          <a:p>
-            <a:pPr algn="ctr"/>
-            <a:endParaRPr lang="en-US"/>
-          </a:p>
-        </p:txBody>
-      </p:sp>
-      <p:sp>
-        <p:nvSpPr>
-          <p:cNvPr id="15" name="Freeform: Shape 14">
-            <a:extLst>
-              <a:ext uri="{FF2B5EF4-FFF2-40B4-BE49-F238E27FC236}">
-                <a16:creationId xmlns:a16="http://schemas.microsoft.com/office/drawing/2014/main" id="{16674508-81D3-48CF-96BF-7FC60EAA572A}"/>
-              </a:ext>
-              <a:ext uri="{C183D7F6-B498-43B3-948B-1728B52AA6E4}">
-                <adec:decorative xmlns:adec="http://schemas.microsoft.com/office/drawing/2017/decorative" val="1"/>
-              </a:ext>
-            </a:extLst>
-          </p:cNvPr>
-          <p:cNvSpPr>
-            <a:spLocks noGrp="1" noRot="1" noChangeAspect="1" noMove="1" noResize="1" noEditPoints="1" noAdjustHandles="1" noChangeArrowheads="1" noChangeShapeType="1" noTextEdit="1"/>
-          </p:cNvSpPr>
-          <p:nvPr>
-            <p:extLst>
-              <p:ext uri="{386F3935-93C4-4BCD-93E2-E3B085C9AB24}">
-                <p16:designElem xmlns:p16="http://schemas.microsoft.com/office/powerpoint/2015/main" val="1"/>
-              </p:ext>
-            </p:extLst>
-          </p:nvPr>
-        </p:nvSpPr>
-        <p:spPr>
-          <a:xfrm>
-            <a:off x="0" y="0"/>
-            <a:ext cx="6741994" cy="6858000"/>
-          </a:xfrm>
-          <a:custGeom>
-            <a:avLst/>
-            <a:gdLst>
-              <a:gd name="connsiteX0" fmla="*/ 0 w 6568309"/>
-              <a:gd name="connsiteY0" fmla="*/ 0 h 6858000"/>
-              <a:gd name="connsiteX1" fmla="*/ 362841 w 6568309"/>
-              <a:gd name="connsiteY1" fmla="*/ 0 h 6858000"/>
-              <a:gd name="connsiteX2" fmla="*/ 523269 w 6568309"/>
-              <a:gd name="connsiteY2" fmla="*/ 0 h 6858000"/>
-              <a:gd name="connsiteX3" fmla="*/ 1343025 w 6568309"/>
-              <a:gd name="connsiteY3" fmla="*/ 0 h 6858000"/>
-              <a:gd name="connsiteX4" fmla="*/ 1705866 w 6568309"/>
-              <a:gd name="connsiteY4" fmla="*/ 0 h 6858000"/>
-              <a:gd name="connsiteX5" fmla="*/ 1866294 w 6568309"/>
-              <a:gd name="connsiteY5" fmla="*/ 0 h 6858000"/>
-              <a:gd name="connsiteX6" fmla="*/ 5225154 w 6568309"/>
-              <a:gd name="connsiteY6" fmla="*/ 0 h 6858000"/>
-              <a:gd name="connsiteX7" fmla="*/ 6568179 w 6568309"/>
-              <a:gd name="connsiteY7" fmla="*/ 0 h 6858000"/>
-              <a:gd name="connsiteX8" fmla="*/ 6568309 w 6568309"/>
-              <a:gd name="connsiteY8" fmla="*/ 1 h 6858000"/>
-              <a:gd name="connsiteX9" fmla="*/ 6562951 w 6568309"/>
-              <a:gd name="connsiteY9" fmla="*/ 30700 h 6858000"/>
-              <a:gd name="connsiteX10" fmla="*/ 6547446 w 6568309"/>
-              <a:gd name="connsiteY10" fmla="*/ 310025 h 6858000"/>
-              <a:gd name="connsiteX11" fmla="*/ 6558316 w 6568309"/>
-              <a:gd name="connsiteY11" fmla="*/ 443960 h 6858000"/>
-              <a:gd name="connsiteX12" fmla="*/ 6528896 w 6568309"/>
-              <a:gd name="connsiteY12" fmla="*/ 642659 h 6858000"/>
-              <a:gd name="connsiteX13" fmla="*/ 6523095 w 6568309"/>
-              <a:gd name="connsiteY13" fmla="*/ 673307 h 6858000"/>
-              <a:gd name="connsiteX14" fmla="*/ 6496169 w 6568309"/>
-              <a:gd name="connsiteY14" fmla="*/ 839641 h 6858000"/>
-              <a:gd name="connsiteX15" fmla="*/ 6450789 w 6568309"/>
-              <a:gd name="connsiteY15" fmla="*/ 958357 h 6858000"/>
-              <a:gd name="connsiteX16" fmla="*/ 6453996 w 6568309"/>
-              <a:gd name="connsiteY16" fmla="*/ 963398 h 6858000"/>
-              <a:gd name="connsiteX17" fmla="*/ 6419467 w 6568309"/>
-              <a:gd name="connsiteY17" fmla="*/ 1117169 h 6858000"/>
-              <a:gd name="connsiteX18" fmla="*/ 6417348 w 6568309"/>
-              <a:gd name="connsiteY18" fmla="*/ 1144352 h 6858000"/>
-              <a:gd name="connsiteX19" fmla="*/ 6418473 w 6568309"/>
-              <a:gd name="connsiteY19" fmla="*/ 1164484 h 6858000"/>
-              <a:gd name="connsiteX20" fmla="*/ 6406979 w 6568309"/>
-              <a:gd name="connsiteY20" fmla="*/ 1213829 h 6858000"/>
-              <a:gd name="connsiteX21" fmla="*/ 6381928 w 6568309"/>
-              <a:gd name="connsiteY21" fmla="*/ 1294823 h 6858000"/>
-              <a:gd name="connsiteX22" fmla="*/ 6377948 w 6568309"/>
-              <a:gd name="connsiteY22" fmla="*/ 1312193 h 6858000"/>
-              <a:gd name="connsiteX23" fmla="*/ 6379894 w 6568309"/>
-              <a:gd name="connsiteY23" fmla="*/ 1327626 h 6858000"/>
-              <a:gd name="connsiteX24" fmla="*/ 6385024 w 6568309"/>
-              <a:gd name="connsiteY24" fmla="*/ 1331644 h 6858000"/>
-              <a:gd name="connsiteX25" fmla="*/ 6383696 w 6568309"/>
-              <a:gd name="connsiteY25" fmla="*/ 1341276 h 6858000"/>
-              <a:gd name="connsiteX26" fmla="*/ 6384464 w 6568309"/>
-              <a:gd name="connsiteY26" fmla="*/ 1343945 h 6858000"/>
-              <a:gd name="connsiteX27" fmla="*/ 6387748 w 6568309"/>
-              <a:gd name="connsiteY27" fmla="*/ 1359134 h 6858000"/>
-              <a:gd name="connsiteX28" fmla="*/ 6364157 w 6568309"/>
-              <a:gd name="connsiteY28" fmla="*/ 1427803 h 6858000"/>
-              <a:gd name="connsiteX29" fmla="*/ 6335874 w 6568309"/>
-              <a:gd name="connsiteY29" fmla="*/ 1540278 h 6858000"/>
-              <a:gd name="connsiteX30" fmla="*/ 6331892 w 6568309"/>
-              <a:gd name="connsiteY30" fmla="*/ 1547262 h 6858000"/>
-              <a:gd name="connsiteX31" fmla="*/ 6332744 w 6568309"/>
-              <a:gd name="connsiteY31" fmla="*/ 1577056 h 6858000"/>
-              <a:gd name="connsiteX32" fmla="*/ 6333604 w 6568309"/>
-              <a:gd name="connsiteY32" fmla="*/ 1595898 h 6858000"/>
-              <a:gd name="connsiteX33" fmla="*/ 6324749 w 6568309"/>
-              <a:gd name="connsiteY33" fmla="*/ 1703726 h 6858000"/>
-              <a:gd name="connsiteX34" fmla="*/ 6329594 w 6568309"/>
-              <a:gd name="connsiteY34" fmla="*/ 1809535 h 6858000"/>
-              <a:gd name="connsiteX35" fmla="*/ 6329062 w 6568309"/>
-              <a:gd name="connsiteY35" fmla="*/ 2018310 h 6858000"/>
-              <a:gd name="connsiteX36" fmla="*/ 6321735 w 6568309"/>
-              <a:gd name="connsiteY36" fmla="*/ 2071355 h 6858000"/>
-              <a:gd name="connsiteX37" fmla="*/ 6322678 w 6568309"/>
-              <a:gd name="connsiteY37" fmla="*/ 2141166 h 6858000"/>
-              <a:gd name="connsiteX38" fmla="*/ 6321340 w 6568309"/>
-              <a:gd name="connsiteY38" fmla="*/ 2154548 h 6858000"/>
-              <a:gd name="connsiteX39" fmla="*/ 6316582 w 6568309"/>
-              <a:gd name="connsiteY39" fmla="*/ 2158153 h 6858000"/>
-              <a:gd name="connsiteX40" fmla="*/ 6311428 w 6568309"/>
-              <a:gd name="connsiteY40" fmla="*/ 2178174 h 6858000"/>
-              <a:gd name="connsiteX41" fmla="*/ 6310192 w 6568309"/>
-              <a:gd name="connsiteY41" fmla="*/ 2202858 h 6858000"/>
-              <a:gd name="connsiteX42" fmla="*/ 6309211 w 6568309"/>
-              <a:gd name="connsiteY42" fmla="*/ 2320214 h 6858000"/>
-              <a:gd name="connsiteX43" fmla="*/ 6300151 w 6568309"/>
-              <a:gd name="connsiteY43" fmla="*/ 2417011 h 6858000"/>
-              <a:gd name="connsiteX44" fmla="*/ 6295176 w 6568309"/>
-              <a:gd name="connsiteY44" fmla="*/ 2454207 h 6858000"/>
-              <a:gd name="connsiteX45" fmla="*/ 6293727 w 6568309"/>
-              <a:gd name="connsiteY45" fmla="*/ 2487203 h 6858000"/>
-              <a:gd name="connsiteX46" fmla="*/ 6285477 w 6568309"/>
-              <a:gd name="connsiteY46" fmla="*/ 2512282 h 6858000"/>
-              <a:gd name="connsiteX47" fmla="*/ 6286205 w 6568309"/>
-              <a:gd name="connsiteY47" fmla="*/ 2514318 h 6858000"/>
-              <a:gd name="connsiteX48" fmla="*/ 6304629 w 6568309"/>
-              <a:gd name="connsiteY48" fmla="*/ 2574334 h 6858000"/>
-              <a:gd name="connsiteX49" fmla="*/ 6303842 w 6568309"/>
-              <a:gd name="connsiteY49" fmla="*/ 2579877 h 6858000"/>
-              <a:gd name="connsiteX50" fmla="*/ 6303953 w 6568309"/>
-              <a:gd name="connsiteY50" fmla="*/ 2608928 h 6858000"/>
-              <a:gd name="connsiteX51" fmla="*/ 6303530 w 6568309"/>
-              <a:gd name="connsiteY51" fmla="*/ 2613111 h 6858000"/>
-              <a:gd name="connsiteX52" fmla="*/ 6297474 w 6568309"/>
-              <a:gd name="connsiteY52" fmla="*/ 2621996 h 6858000"/>
-              <a:gd name="connsiteX53" fmla="*/ 6299263 w 6568309"/>
-              <a:gd name="connsiteY53" fmla="*/ 2634265 h 6858000"/>
-              <a:gd name="connsiteX54" fmla="*/ 6293065 w 6568309"/>
-              <a:gd name="connsiteY54" fmla="*/ 2647237 h 6858000"/>
-              <a:gd name="connsiteX55" fmla="*/ 6297496 w 6568309"/>
-              <a:gd name="connsiteY55" fmla="*/ 2650786 h 6858000"/>
-              <a:gd name="connsiteX56" fmla="*/ 6301708 w 6568309"/>
-              <a:gd name="connsiteY56" fmla="*/ 2661993 h 6858000"/>
-              <a:gd name="connsiteX57" fmla="*/ 6295884 w 6568309"/>
-              <a:gd name="connsiteY57" fmla="*/ 2670949 h 6858000"/>
-              <a:gd name="connsiteX58" fmla="*/ 6291714 w 6568309"/>
-              <a:gd name="connsiteY58" fmla="*/ 2690255 h 6858000"/>
-              <a:gd name="connsiteX59" fmla="*/ 6292327 w 6568309"/>
-              <a:gd name="connsiteY59" fmla="*/ 2695683 h 6858000"/>
-              <a:gd name="connsiteX60" fmla="*/ 6284410 w 6568309"/>
-              <a:gd name="connsiteY60" fmla="*/ 2713964 h 6858000"/>
-              <a:gd name="connsiteX61" fmla="*/ 6280410 w 6568309"/>
-              <a:gd name="connsiteY61" fmla="*/ 2730175 h 6858000"/>
-              <a:gd name="connsiteX62" fmla="*/ 6288082 w 6568309"/>
-              <a:gd name="connsiteY62" fmla="*/ 2763497 h 6858000"/>
-              <a:gd name="connsiteX63" fmla="*/ 6260924 w 6568309"/>
-              <a:gd name="connsiteY63" fmla="*/ 3051539 h 6858000"/>
-              <a:gd name="connsiteX64" fmla="*/ 6210151 w 6568309"/>
-              <a:gd name="connsiteY64" fmla="*/ 3335396 h 6858000"/>
-              <a:gd name="connsiteX65" fmla="*/ 6212034 w 6568309"/>
-              <a:gd name="connsiteY65" fmla="*/ 3456509 h 6858000"/>
-              <a:gd name="connsiteX66" fmla="*/ 6197490 w 6568309"/>
-              <a:gd name="connsiteY66" fmla="*/ 3531827 h 6858000"/>
-              <a:gd name="connsiteX67" fmla="*/ 6208018 w 6568309"/>
-              <a:gd name="connsiteY67" fmla="*/ 3570877 h 6858000"/>
-              <a:gd name="connsiteX68" fmla="*/ 6205920 w 6568309"/>
-              <a:gd name="connsiteY68" fmla="*/ 3583849 h 6858000"/>
-              <a:gd name="connsiteX69" fmla="*/ 6199616 w 6568309"/>
-              <a:gd name="connsiteY69" fmla="*/ 3592763 h 6858000"/>
-              <a:gd name="connsiteX70" fmla="*/ 6181288 w 6568309"/>
-              <a:gd name="connsiteY70" fmla="*/ 3653485 h 6858000"/>
-              <a:gd name="connsiteX71" fmla="*/ 6175963 w 6568309"/>
-              <a:gd name="connsiteY71" fmla="*/ 3670528 h 6858000"/>
-              <a:gd name="connsiteX72" fmla="*/ 6176722 w 6568309"/>
-              <a:gd name="connsiteY72" fmla="*/ 3685990 h 6858000"/>
-              <a:gd name="connsiteX73" fmla="*/ 6181549 w 6568309"/>
-              <a:gd name="connsiteY73" fmla="*/ 3690283 h 6858000"/>
-              <a:gd name="connsiteX74" fmla="*/ 6179476 w 6568309"/>
-              <a:gd name="connsiteY74" fmla="*/ 3699787 h 6858000"/>
-              <a:gd name="connsiteX75" fmla="*/ 6180040 w 6568309"/>
-              <a:gd name="connsiteY75" fmla="*/ 3702486 h 6858000"/>
-              <a:gd name="connsiteX76" fmla="*/ 6182155 w 6568309"/>
-              <a:gd name="connsiteY76" fmla="*/ 3717784 h 6858000"/>
-              <a:gd name="connsiteX77" fmla="*/ 6158980 w 6568309"/>
-              <a:gd name="connsiteY77" fmla="*/ 3746229 h 6858000"/>
-              <a:gd name="connsiteX78" fmla="*/ 6096049 w 6568309"/>
-              <a:gd name="connsiteY78" fmla="*/ 3924910 h 6858000"/>
-              <a:gd name="connsiteX79" fmla="*/ 6069712 w 6568309"/>
-              <a:gd name="connsiteY79" fmla="*/ 3989353 h 6858000"/>
-              <a:gd name="connsiteX80" fmla="*/ 6067330 w 6568309"/>
-              <a:gd name="connsiteY80" fmla="*/ 4033899 h 6858000"/>
-              <a:gd name="connsiteX81" fmla="*/ 6061081 w 6568309"/>
-              <a:gd name="connsiteY81" fmla="*/ 4142250 h 6858000"/>
-              <a:gd name="connsiteX82" fmla="*/ 6042858 w 6568309"/>
-              <a:gd name="connsiteY82" fmla="*/ 4329442 h 6858000"/>
-              <a:gd name="connsiteX83" fmla="*/ 6034182 w 6568309"/>
-              <a:gd name="connsiteY83" fmla="*/ 4456184 h 6858000"/>
-              <a:gd name="connsiteX84" fmla="*/ 6029178 w 6568309"/>
-              <a:gd name="connsiteY84" fmla="*/ 4468478 h 6858000"/>
-              <a:gd name="connsiteX85" fmla="*/ 6029974 w 6568309"/>
-              <a:gd name="connsiteY85" fmla="*/ 4469862 h 6858000"/>
-              <a:gd name="connsiteX86" fmla="*/ 6028340 w 6568309"/>
-              <a:gd name="connsiteY86" fmla="*/ 4483797 h 6858000"/>
-              <a:gd name="connsiteX87" fmla="*/ 6025168 w 6568309"/>
-              <a:gd name="connsiteY87" fmla="*/ 4487091 h 6858000"/>
-              <a:gd name="connsiteX88" fmla="*/ 6023164 w 6568309"/>
-              <a:gd name="connsiteY88" fmla="*/ 4496728 h 6858000"/>
-              <a:gd name="connsiteX89" fmla="*/ 6016839 w 6568309"/>
-              <a:gd name="connsiteY89" fmla="*/ 4515918 h 6858000"/>
-              <a:gd name="connsiteX90" fmla="*/ 6017886 w 6568309"/>
-              <a:gd name="connsiteY90" fmla="*/ 4519316 h 6858000"/>
-              <a:gd name="connsiteX91" fmla="*/ 6011819 w 6568309"/>
-              <a:gd name="connsiteY91" fmla="*/ 4547957 h 6858000"/>
-              <a:gd name="connsiteX92" fmla="*/ 6012791 w 6568309"/>
-              <a:gd name="connsiteY92" fmla="*/ 4548262 h 6858000"/>
-              <a:gd name="connsiteX93" fmla="*/ 6015703 w 6568309"/>
-              <a:gd name="connsiteY93" fmla="*/ 4555939 h 6858000"/>
-              <a:gd name="connsiteX94" fmla="*/ 6018854 w 6568309"/>
-              <a:gd name="connsiteY94" fmla="*/ 4570815 h 6858000"/>
-              <a:gd name="connsiteX95" fmla="*/ 6033000 w 6568309"/>
-              <a:gd name="connsiteY95" fmla="*/ 4633846 h 6858000"/>
-              <a:gd name="connsiteX96" fmla="*/ 6032325 w 6568309"/>
-              <a:gd name="connsiteY96" fmla="*/ 4639816 h 6858000"/>
-              <a:gd name="connsiteX97" fmla="*/ 6032549 w 6568309"/>
-              <a:gd name="connsiteY97" fmla="*/ 4639923 h 6858000"/>
-              <a:gd name="connsiteX98" fmla="*/ 6032309 w 6568309"/>
-              <a:gd name="connsiteY98" fmla="*/ 4646192 h 6858000"/>
-              <a:gd name="connsiteX99" fmla="*/ 6031095 w 6568309"/>
-              <a:gd name="connsiteY99" fmla="*/ 4650706 h 6858000"/>
-              <a:gd name="connsiteX100" fmla="*/ 6029786 w 6568309"/>
-              <a:gd name="connsiteY100" fmla="*/ 4662290 h 6858000"/>
-              <a:gd name="connsiteX101" fmla="*/ 6030911 w 6568309"/>
-              <a:gd name="connsiteY101" fmla="*/ 4666180 h 6858000"/>
-              <a:gd name="connsiteX102" fmla="*/ 6033630 w 6568309"/>
-              <a:gd name="connsiteY102" fmla="*/ 4667585 h 6858000"/>
-              <a:gd name="connsiteX103" fmla="*/ 6033189 w 6568309"/>
-              <a:gd name="connsiteY103" fmla="*/ 4668660 h 6858000"/>
-              <a:gd name="connsiteX104" fmla="*/ 6038764 w 6568309"/>
-              <a:gd name="connsiteY104" fmla="*/ 4689807 h 6858000"/>
-              <a:gd name="connsiteX105" fmla="*/ 6042217 w 6568309"/>
-              <a:gd name="connsiteY105" fmla="*/ 4737890 h 6858000"/>
-              <a:gd name="connsiteX106" fmla="*/ 6040543 w 6568309"/>
-              <a:gd name="connsiteY106" fmla="*/ 4765657 h 6858000"/>
-              <a:gd name="connsiteX107" fmla="*/ 6039956 w 6568309"/>
-              <a:gd name="connsiteY107" fmla="*/ 4841463 h 6858000"/>
-              <a:gd name="connsiteX108" fmla="*/ 6057123 w 6568309"/>
-              <a:gd name="connsiteY108" fmla="*/ 4969863 h 6858000"/>
-              <a:gd name="connsiteX109" fmla="*/ 6055039 w 6568309"/>
-              <a:gd name="connsiteY109" fmla="*/ 4974028 h 6858000"/>
-              <a:gd name="connsiteX110" fmla="*/ 6053462 w 6568309"/>
-              <a:gd name="connsiteY110" fmla="*/ 4980318 h 6858000"/>
-              <a:gd name="connsiteX111" fmla="*/ 6053643 w 6568309"/>
-              <a:gd name="connsiteY111" fmla="*/ 4980501 h 6858000"/>
-              <a:gd name="connsiteX112" fmla="*/ 6051733 w 6568309"/>
-              <a:gd name="connsiteY112" fmla="*/ 4986338 h 6858000"/>
-              <a:gd name="connsiteX113" fmla="*/ 6049602 w 6568309"/>
-              <a:gd name="connsiteY113" fmla="*/ 4991296 h 6858000"/>
-              <a:gd name="connsiteX114" fmla="*/ 6075165 w 6568309"/>
-              <a:gd name="connsiteY114" fmla="*/ 5076895 h 6858000"/>
-              <a:gd name="connsiteX115" fmla="*/ 6073751 w 6568309"/>
-              <a:gd name="connsiteY115" fmla="*/ 5081568 h 6858000"/>
-              <a:gd name="connsiteX116" fmla="*/ 6073150 w 6568309"/>
-              <a:gd name="connsiteY116" fmla="*/ 5088173 h 6858000"/>
-              <a:gd name="connsiteX117" fmla="*/ 6073355 w 6568309"/>
-              <a:gd name="connsiteY117" fmla="*/ 5088300 h 6858000"/>
-              <a:gd name="connsiteX118" fmla="*/ 6072362 w 6568309"/>
-              <a:gd name="connsiteY118" fmla="*/ 5094558 h 6858000"/>
-              <a:gd name="connsiteX119" fmla="*/ 6064726 w 6568309"/>
-              <a:gd name="connsiteY119" fmla="*/ 5125620 h 6858000"/>
-              <a:gd name="connsiteX120" fmla="*/ 6065415 w 6568309"/>
-              <a:gd name="connsiteY120" fmla="*/ 5268004 h 6858000"/>
-              <a:gd name="connsiteX121" fmla="*/ 6066081 w 6568309"/>
-              <a:gd name="connsiteY121" fmla="*/ 5269530 h 6858000"/>
-              <a:gd name="connsiteX122" fmla="*/ 6043407 w 6568309"/>
-              <a:gd name="connsiteY122" fmla="*/ 5390941 h 6858000"/>
-              <a:gd name="connsiteX123" fmla="*/ 6025377 w 6568309"/>
-              <a:gd name="connsiteY123" fmla="*/ 5539927 h 6858000"/>
-              <a:gd name="connsiteX124" fmla="*/ 6010052 w 6568309"/>
-              <a:gd name="connsiteY124" fmla="*/ 5791594 h 6858000"/>
-              <a:gd name="connsiteX125" fmla="*/ 5994220 w 6568309"/>
-              <a:gd name="connsiteY125" fmla="*/ 5855206 h 6858000"/>
-              <a:gd name="connsiteX126" fmla="*/ 5982580 w 6568309"/>
-              <a:gd name="connsiteY126" fmla="*/ 5873582 h 6858000"/>
-              <a:gd name="connsiteX127" fmla="*/ 5983608 w 6568309"/>
-              <a:gd name="connsiteY127" fmla="*/ 5876037 h 6858000"/>
-              <a:gd name="connsiteX128" fmla="*/ 5983535 w 6568309"/>
-              <a:gd name="connsiteY128" fmla="*/ 5886534 h 6858000"/>
-              <a:gd name="connsiteX129" fmla="*/ 5988737 w 6568309"/>
-              <a:gd name="connsiteY129" fmla="*/ 5888644 h 6858000"/>
-              <a:gd name="connsiteX130" fmla="*/ 5992371 w 6568309"/>
-              <a:gd name="connsiteY130" fmla="*/ 5903832 h 6858000"/>
-              <a:gd name="connsiteX131" fmla="*/ 5990780 w 6568309"/>
-              <a:gd name="connsiteY131" fmla="*/ 5923391 h 6858000"/>
-              <a:gd name="connsiteX132" fmla="*/ 5993870 w 6568309"/>
-              <a:gd name="connsiteY132" fmla="*/ 6013205 h 6858000"/>
-              <a:gd name="connsiteX133" fmla="*/ 5997673 w 6568309"/>
-              <a:gd name="connsiteY133" fmla="*/ 6074018 h 6858000"/>
-              <a:gd name="connsiteX134" fmla="*/ 6014840 w 6568309"/>
-              <a:gd name="connsiteY134" fmla="*/ 6130837 h 6858000"/>
-              <a:gd name="connsiteX135" fmla="*/ 6010704 w 6568309"/>
-              <a:gd name="connsiteY135" fmla="*/ 6152982 h 6858000"/>
-              <a:gd name="connsiteX136" fmla="*/ 6038294 w 6568309"/>
-              <a:gd name="connsiteY136" fmla="*/ 6221100 h 6858000"/>
-              <a:gd name="connsiteX137" fmla="*/ 6052331 w 6568309"/>
-              <a:gd name="connsiteY137" fmla="*/ 6287550 h 6858000"/>
-              <a:gd name="connsiteX138" fmla="*/ 6074143 w 6568309"/>
-              <a:gd name="connsiteY138" fmla="*/ 6401595 h 6858000"/>
-              <a:gd name="connsiteX139" fmla="*/ 6060199 w 6568309"/>
-              <a:gd name="connsiteY139" fmla="*/ 6487110 h 6858000"/>
-              <a:gd name="connsiteX140" fmla="*/ 6081156 w 6568309"/>
-              <a:gd name="connsiteY140" fmla="*/ 6588589 h 6858000"/>
-              <a:gd name="connsiteX141" fmla="*/ 6114944 w 6568309"/>
-              <a:gd name="connsiteY141" fmla="*/ 6769963 h 6858000"/>
-              <a:gd name="connsiteX142" fmla="*/ 6128950 w 6568309"/>
-              <a:gd name="connsiteY142" fmla="*/ 6835814 h 6858000"/>
-              <a:gd name="connsiteX143" fmla="*/ 6132536 w 6568309"/>
-              <a:gd name="connsiteY143" fmla="*/ 6858000 h 6858000"/>
-              <a:gd name="connsiteX144" fmla="*/ 4789511 w 6568309"/>
-              <a:gd name="connsiteY144" fmla="*/ 6858000 h 6858000"/>
-              <a:gd name="connsiteX145" fmla="*/ 1866294 w 6568309"/>
-              <a:gd name="connsiteY145" fmla="*/ 6858000 h 6858000"/>
-              <a:gd name="connsiteX146" fmla="*/ 1705866 w 6568309"/>
-              <a:gd name="connsiteY146" fmla="*/ 6858000 h 6858000"/>
-              <a:gd name="connsiteX147" fmla="*/ 1343025 w 6568309"/>
-              <a:gd name="connsiteY147" fmla="*/ 6858000 h 6858000"/>
-              <a:gd name="connsiteX148" fmla="*/ 523269 w 6568309"/>
-              <a:gd name="connsiteY148" fmla="*/ 6858000 h 6858000"/>
-              <a:gd name="connsiteX149" fmla="*/ 362841 w 6568309"/>
-              <a:gd name="connsiteY149" fmla="*/ 6858000 h 6858000"/>
-              <a:gd name="connsiteX150" fmla="*/ 0 w 6568309"/>
-              <a:gd name="connsiteY150" fmla="*/ 6858000 h 6858000"/>
-            </a:gdLst>
-            <a:ahLst/>
-            <a:cxnLst>
-              <a:cxn ang="0">
-                <a:pos x="connsiteX0" y="connsiteY0"/>
-              </a:cxn>
-              <a:cxn ang="0">
-                <a:pos x="connsiteX1" y="connsiteY1"/>
-              </a:cxn>
-              <a:cxn ang="0">
-                <a:pos x="connsiteX2" y="connsiteY2"/>
-              </a:cxn>
-              <a:cxn ang="0">
-                <a:pos x="connsiteX3" y="connsiteY3"/>
-              </a:cxn>
-              <a:cxn ang="0">
-                <a:pos x="connsiteX4" y="connsiteY4"/>
-              </a:cxn>
-              <a:cxn ang="0">
-                <a:pos x="connsiteX5" y="connsiteY5"/>
-              </a:cxn>
-              <a:cxn ang="0">
-                <a:pos x="connsiteX6" y="connsiteY6"/>
-              </a:cxn>
-              <a:cxn ang="0">
-                <a:pos x="connsiteX7" y="connsiteY7"/>
-              </a:cxn>
-              <a:cxn ang="0">
-                <a:pos x="connsiteX8" y="connsiteY8"/>
-              </a:cxn>
-              <a:cxn ang="0">
-                <a:pos x="connsiteX9" y="connsiteY9"/>
-              </a:cxn>
-              <a:cxn ang="0">
-                <a:pos x="connsiteX10" y="connsiteY10"/>
-              </a:cxn>
-              <a:cxn ang="0">
-                <a:pos x="connsiteX11" y="connsiteY11"/>
-              </a:cxn>
-              <a:cxn ang="0">
-                <a:pos x="connsiteX12" y="connsiteY12"/>
-              </a:cxn>
-              <a:cxn ang="0">
-                <a:pos x="connsiteX13" y="connsiteY13"/>
-              </a:cxn>
-              <a:cxn ang="0">
-                <a:pos x="connsiteX14" y="connsiteY14"/>
-              </a:cxn>
-              <a:cxn ang="0">
-                <a:pos x="connsiteX15" y="connsiteY15"/>
-              </a:cxn>
-              <a:cxn ang="0">
-                <a:pos x="connsiteX16" y="connsiteY16"/>
-              </a:cxn>
-              <a:cxn ang="0">
-                <a:pos x="connsiteX17" y="connsiteY17"/>
-              </a:cxn>
-              <a:cxn ang="0">
-                <a:pos x="connsiteX18" y="connsiteY18"/>
-              </a:cxn>
-              <a:cxn ang="0">
-                <a:pos x="connsiteX19" y="connsiteY19"/>
-              </a:cxn>
-              <a:cxn ang="0">
-                <a:pos x="connsiteX20" y="connsiteY20"/>
-              </a:cxn>
-              <a:cxn ang="0">
-                <a:pos x="connsiteX21" y="connsiteY21"/>
-              </a:cxn>
-              <a:cxn ang="0">
-                <a:pos x="connsiteX22" y="connsiteY22"/>
-              </a:cxn>
-              <a:cxn ang="0">
-                <a:pos x="connsiteX23" y="connsiteY23"/>
-              </a:cxn>
-              <a:cxn ang="0">
-                <a:pos x="connsiteX24" y="connsiteY24"/>
-              </a:cxn>
-              <a:cxn ang="0">
-                <a:pos x="connsiteX25" y="connsiteY25"/>
-              </a:cxn>
-              <a:cxn ang="0">
-                <a:pos x="connsiteX26" y="connsiteY26"/>
-              </a:cxn>
-              <a:cxn ang="0">
-                <a:pos x="connsiteX27" y="connsiteY27"/>
-              </a:cxn>
-              <a:cxn ang="0">
-                <a:pos x="connsiteX28" y="connsiteY28"/>
-              </a:cxn>
-              <a:cxn ang="0">
-                <a:pos x="connsiteX29" y="connsiteY29"/>
-              </a:cxn>
-              <a:cxn ang="0">
-                <a:pos x="connsiteX30" y="connsiteY30"/>
-              </a:cxn>
-              <a:cxn ang="0">
-                <a:pos x="connsiteX31" y="connsiteY31"/>
-              </a:cxn>
-              <a:cxn ang="0">
-                <a:pos x="connsiteX32" y="connsiteY32"/>
-              </a:cxn>
-              <a:cxn ang="0">
-                <a:pos x="connsiteX33" y="connsiteY33"/>
-              </a:cxn>
-              <a:cxn ang="0">
-                <a:pos x="connsiteX34" y="connsiteY34"/>
-              </a:cxn>
-              <a:cxn ang="0">
-                <a:pos x="connsiteX35" y="connsiteY35"/>
-              </a:cxn>
-              <a:cxn ang="0">
-                <a:pos x="connsiteX36" y="connsiteY36"/>
-              </a:cxn>
-              <a:cxn ang="0">
-                <a:pos x="connsiteX37" y="connsiteY37"/>
-              </a:cxn>
-              <a:cxn ang="0">
-                <a:pos x="connsiteX38" y="connsiteY38"/>
-              </a:cxn>
-              <a:cxn ang="0">
-                <a:pos x="connsiteX39" y="connsiteY39"/>
-              </a:cxn>
-              <a:cxn ang="0">
-                <a:pos x="connsiteX40" y="connsiteY40"/>
-              </a:cxn>
-              <a:cxn ang="0">
-                <a:pos x="connsiteX41" y="connsiteY41"/>
-              </a:cxn>
-              <a:cxn ang="0">
-                <a:pos x="connsiteX42" y="connsiteY42"/>
-              </a:cxn>
-              <a:cxn ang="0">
-                <a:pos x="connsiteX43" y="connsiteY43"/>
-              </a:cxn>
-              <a:cxn ang="0">
-                <a:pos x="connsiteX44" y="connsiteY44"/>
-              </a:cxn>
-              <a:cxn ang="0">
-                <a:pos x="connsiteX45" y="connsiteY45"/>
-              </a:cxn>
-              <a:cxn ang="0">
-                <a:pos x="connsiteX46" y="connsiteY46"/>
-              </a:cxn>
-              <a:cxn ang="0">
-                <a:pos x="connsiteX47" y="connsiteY47"/>
-              </a:cxn>
-              <a:cxn ang="0">
-                <a:pos x="connsiteX48" y="connsiteY48"/>
-              </a:cxn>
-              <a:cxn ang="0">
-                <a:pos x="connsiteX49" y="connsiteY49"/>
-              </a:cxn>
-              <a:cxn ang="0">
-                <a:pos x="connsiteX50" y="connsiteY50"/>
-              </a:cxn>
-              <a:cxn ang="0">
-                <a:pos x="connsiteX51" y="connsiteY51"/>
-              </a:cxn>
-              <a:cxn ang="0">
-                <a:pos x="connsiteX52" y="connsiteY52"/>
-              </a:cxn>
-              <a:cxn ang="0">
-                <a:pos x="connsiteX53" y="connsiteY53"/>
-              </a:cxn>
-              <a:cxn ang="0">
-                <a:pos x="connsiteX54" y="connsiteY54"/>
-              </a:cxn>
-              <a:cxn ang="0">
-                <a:pos x="connsiteX55" y="connsiteY55"/>
-              </a:cxn>
-              <a:cxn ang="0">
-                <a:pos x="connsiteX56" y="connsiteY56"/>
-              </a:cxn>
-              <a:cxn ang="0">
-                <a:pos x="connsiteX57" y="connsiteY57"/>
-              </a:cxn>
-              <a:cxn ang="0">
-                <a:pos x="connsiteX58" y="connsiteY58"/>
-              </a:cxn>
-              <a:cxn ang="0">
-                <a:pos x="connsiteX59" y="connsiteY59"/>
-              </a:cxn>
-              <a:cxn ang="0">
-                <a:pos x="connsiteX60" y="connsiteY60"/>
-              </a:cxn>
-              <a:cxn ang="0">
-                <a:pos x="connsiteX61" y="connsiteY61"/>
-              </a:cxn>
-              <a:cxn ang="0">
-                <a:pos x="connsiteX62" y="connsiteY62"/>
-              </a:cxn>
-              <a:cxn ang="0">
-                <a:pos x="connsiteX63" y="connsiteY63"/>
-              </a:cxn>
-              <a:cxn ang="0">
-                <a:pos x="connsiteX64" y="connsiteY64"/>
-              </a:cxn>
-              <a:cxn ang="0">
-                <a:pos x="connsiteX65" y="connsiteY65"/>
-              </a:cxn>
-              <a:cxn ang="0">
-                <a:pos x="connsiteX66" y="connsiteY66"/>
-              </a:cxn>
-              <a:cxn ang="0">
-                <a:pos x="connsiteX67" y="connsiteY67"/>
-              </a:cxn>
-              <a:cxn ang="0">
-                <a:pos x="connsiteX68" y="connsiteY68"/>
-              </a:cxn>
-              <a:cxn ang="0">
-                <a:pos x="connsiteX69" y="connsiteY69"/>
-              </a:cxn>
-              <a:cxn ang="0">
-                <a:pos x="connsiteX70" y="connsiteY70"/>
-              </a:cxn>
-              <a:cxn ang="0">
-                <a:pos x="connsiteX71" y="connsiteY71"/>
-              </a:cxn>
-              <a:cxn ang="0">
-                <a:pos x="connsiteX72" y="connsiteY72"/>
-              </a:cxn>
-              <a:cxn ang="0">
-                <a:pos x="connsiteX73" y="connsiteY73"/>
-              </a:cxn>
-              <a:cxn ang="0">
-                <a:pos x="connsiteX74" y="connsiteY74"/>
-              </a:cxn>
-              <a:cxn ang="0">
-                <a:pos x="connsiteX75" y="connsiteY75"/>
-              </a:cxn>
-              <a:cxn ang="0">
-                <a:pos x="connsiteX76" y="connsiteY76"/>
-              </a:cxn>
-              <a:cxn ang="0">
-                <a:pos x="connsiteX77" y="connsiteY77"/>
-              </a:cxn>
-              <a:cxn ang="0">
-                <a:pos x="connsiteX78" y="connsiteY78"/>
-              </a:cxn>
-              <a:cxn ang="0">
-                <a:pos x="connsiteX79" y="connsiteY79"/>
-              </a:cxn>
-              <a:cxn ang="0">
-                <a:pos x="connsiteX80" y="connsiteY80"/>
-              </a:cxn>
-              <a:cxn ang="0">
-                <a:pos x="connsiteX81" y="connsiteY81"/>
-              </a:cxn>
-              <a:cxn ang="0">
-                <a:pos x="connsiteX82" y="connsiteY82"/>
-              </a:cxn>
-              <a:cxn ang="0">
-                <a:pos x="connsiteX83" y="connsiteY83"/>
-              </a:cxn>
-              <a:cxn ang="0">
-                <a:pos x="connsiteX84" y="connsiteY84"/>
-              </a:cxn>
-              <a:cxn ang="0">
-                <a:pos x="connsiteX85" y="connsiteY85"/>
-              </a:cxn>
-              <a:cxn ang="0">
-                <a:pos x="connsiteX86" y="connsiteY86"/>
-              </a:cxn>
-              <a:cxn ang="0">
-                <a:pos x="connsiteX87" y="connsiteY87"/>
-              </a:cxn>
-              <a:cxn ang="0">
-                <a:pos x="connsiteX88" y="connsiteY88"/>
-              </a:cxn>
-              <a:cxn ang="0">
-                <a:pos x="connsiteX89" y="connsiteY89"/>
-              </a:cxn>
-              <a:cxn ang="0">
-                <a:pos x="connsiteX90" y="connsiteY90"/>
-              </a:cxn>
-              <a:cxn ang="0">
-                <a:pos x="connsiteX91" y="connsiteY91"/>
-              </a:cxn>
-              <a:cxn ang="0">
-                <a:pos x="connsiteX92" y="connsiteY92"/>
-              </a:cxn>
-              <a:cxn ang="0">
-                <a:pos x="connsiteX93" y="connsiteY93"/>
-              </a:cxn>
-              <a:cxn ang="0">
-                <a:pos x="connsiteX94" y="connsiteY94"/>
-              </a:cxn>
-              <a:cxn ang="0">
-                <a:pos x="connsiteX95" y="connsiteY95"/>
-              </a:cxn>
-              <a:cxn ang="0">
-                <a:pos x="connsiteX96" y="connsiteY96"/>
-              </a:cxn>
-              <a:cxn ang="0">
-                <a:pos x="connsiteX97" y="connsiteY97"/>
-              </a:cxn>
-              <a:cxn ang="0">
-                <a:pos x="connsiteX98" y="connsiteY98"/>
-              </a:cxn>
-              <a:cxn ang="0">
-                <a:pos x="connsiteX99" y="connsiteY99"/>
-              </a:cxn>
-              <a:cxn ang="0">
-                <a:pos x="connsiteX100" y="connsiteY100"/>
-              </a:cxn>
-              <a:cxn ang="0">
-                <a:pos x="connsiteX101" y="connsiteY101"/>
-              </a:cxn>
-              <a:cxn ang="0">
-                <a:pos x="connsiteX102" y="connsiteY102"/>
-              </a:cxn>
-              <a:cxn ang="0">
-                <a:pos x="connsiteX103" y="connsiteY103"/>
-              </a:cxn>
-              <a:cxn ang="0">
-                <a:pos x="connsiteX104" y="connsiteY104"/>
-              </a:cxn>
-              <a:cxn ang="0">
-                <a:pos x="connsiteX105" y="connsiteY105"/>
-              </a:cxn>
-              <a:cxn ang="0">
-                <a:pos x="connsiteX106" y="connsiteY106"/>
-              </a:cxn>
-              <a:cxn ang="0">
-                <a:pos x="connsiteX107" y="connsiteY107"/>
-              </a:cxn>
-              <a:cxn ang="0">
-                <a:pos x="connsiteX108" y="connsiteY108"/>
-              </a:cxn>
-              <a:cxn ang="0">
-                <a:pos x="connsiteX109" y="connsiteY109"/>
-              </a:cxn>
-              <a:cxn ang="0">
-                <a:pos x="connsiteX110" y="connsiteY110"/>
-              </a:cxn>
-              <a:cxn ang="0">
-                <a:pos x="connsiteX111" y="connsiteY111"/>
-              </a:cxn>
-              <a:cxn ang="0">
-                <a:pos x="connsiteX112" y="connsiteY112"/>
-              </a:cxn>
-              <a:cxn ang="0">
-                <a:pos x="connsiteX113" y="connsiteY113"/>
-              </a:cxn>
-              <a:cxn ang="0">
-                <a:pos x="connsiteX114" y="connsiteY114"/>
-              </a:cxn>
-              <a:cxn ang="0">
-                <a:pos x="connsiteX115" y="connsiteY115"/>
-              </a:cxn>
-              <a:cxn ang="0">
-                <a:pos x="connsiteX116" y="connsiteY116"/>
-              </a:cxn>
-              <a:cxn ang="0">
-                <a:pos x="connsiteX117" y="connsiteY117"/>
-              </a:cxn>
-              <a:cxn ang="0">
-                <a:pos x="connsiteX118" y="connsiteY118"/>
-              </a:cxn>
-              <a:cxn ang="0">
-                <a:pos x="connsiteX119" y="connsiteY119"/>
-              </a:cxn>
-              <a:cxn ang="0">
-                <a:pos x="connsiteX120" y="connsiteY120"/>
-              </a:cxn>
-              <a:cxn ang="0">
-                <a:pos x="connsiteX121" y="connsiteY121"/>
-              </a:cxn>
-              <a:cxn ang="0">
-                <a:pos x="connsiteX122" y="connsiteY122"/>
-              </a:cxn>
-              <a:cxn ang="0">
-                <a:pos x="connsiteX123" y="connsiteY123"/>
-              </a:cxn>
-              <a:cxn ang="0">
-                <a:pos x="connsiteX124" y="connsiteY124"/>
-              </a:cxn>
-              <a:cxn ang="0">
-                <a:pos x="connsiteX125" y="connsiteY125"/>
-              </a:cxn>
-              <a:cxn ang="0">
-                <a:pos x="connsiteX126" y="connsiteY126"/>
-              </a:cxn>
-              <a:cxn ang="0">
-                <a:pos x="connsiteX127" y="connsiteY127"/>
-              </a:cxn>
-              <a:cxn ang="0">
-                <a:pos x="connsiteX128" y="connsiteY128"/>
-              </a:cxn>
-              <a:cxn ang="0">
-                <a:pos x="connsiteX129" y="connsiteY129"/>
-              </a:cxn>
-              <a:cxn ang="0">
-                <a:pos x="connsiteX130" y="connsiteY130"/>
-              </a:cxn>
-              <a:cxn ang="0">
-                <a:pos x="connsiteX131" y="connsiteY131"/>
-              </a:cxn>
-              <a:cxn ang="0">
-                <a:pos x="connsiteX132" y="connsiteY132"/>
-              </a:cxn>
-              <a:cxn ang="0">
-                <a:pos x="connsiteX133" y="connsiteY133"/>
-              </a:cxn>
-              <a:cxn ang="0">
-                <a:pos x="connsiteX134" y="connsiteY134"/>
-              </a:cxn>
-              <a:cxn ang="0">
-                <a:pos x="connsiteX135" y="connsiteY135"/>
-              </a:cxn>
-              <a:cxn ang="0">
-                <a:pos x="connsiteX136" y="connsiteY136"/>
-              </a:cxn>
-              <a:cxn ang="0">
-                <a:pos x="connsiteX137" y="connsiteY137"/>
-              </a:cxn>
-              <a:cxn ang="0">
-                <a:pos x="connsiteX138" y="connsiteY138"/>
-              </a:cxn>
-              <a:cxn ang="0">
-                <a:pos x="connsiteX139" y="connsiteY139"/>
-              </a:cxn>
-              <a:cxn ang="0">
-                <a:pos x="connsiteX140" y="connsiteY140"/>
-              </a:cxn>
-              <a:cxn ang="0">
-                <a:pos x="connsiteX141" y="connsiteY141"/>
-              </a:cxn>
-              <a:cxn ang="0">
-                <a:pos x="connsiteX142" y="connsiteY142"/>
-              </a:cxn>
-              <a:cxn ang="0">
-                <a:pos x="connsiteX143" y="connsiteY143"/>
-              </a:cxn>
-              <a:cxn ang="0">
-                <a:pos x="connsiteX144" y="connsiteY144"/>
-              </a:cxn>
-              <a:cxn ang="0">
-                <a:pos x="connsiteX145" y="connsiteY145"/>
-              </a:cxn>
-              <a:cxn ang="0">
-                <a:pos x="connsiteX146" y="connsiteY146"/>
-              </a:cxn>
-              <a:cxn ang="0">
-                <a:pos x="connsiteX147" y="connsiteY147"/>
-              </a:cxn>
-              <a:cxn ang="0">
-                <a:pos x="connsiteX148" y="connsiteY148"/>
-              </a:cxn>
-              <a:cxn ang="0">
-                <a:pos x="connsiteX149" y="connsiteY149"/>
-              </a:cxn>
-              <a:cxn ang="0">
-                <a:pos x="connsiteX150" y="connsiteY150"/>
-              </a:cxn>
-            </a:cxnLst>
-            <a:rect l="l" t="t" r="r" b="b"/>
-            <a:pathLst>
-              <a:path w="6568309" h="6858000">
-                <a:moveTo>
-                  <a:pt x="0" y="0"/>
-                </a:moveTo>
-                <a:lnTo>
-                  <a:pt x="362841" y="0"/>
-                </a:lnTo>
-                <a:lnTo>
-                  <a:pt x="523269" y="0"/>
-                </a:lnTo>
-                <a:lnTo>
-                  <a:pt x="1343025" y="0"/>
-                </a:lnTo>
-                <a:lnTo>
-                  <a:pt x="1705866" y="0"/>
-                </a:lnTo>
-                <a:lnTo>
-                  <a:pt x="1866294" y="0"/>
-                </a:lnTo>
-                <a:lnTo>
-                  <a:pt x="5225154" y="0"/>
-                </a:lnTo>
-                <a:lnTo>
-                  <a:pt x="6568179" y="0"/>
-                </a:lnTo>
-                <a:lnTo>
-                  <a:pt x="6568309" y="1"/>
-                </a:lnTo>
-                <a:lnTo>
-                  <a:pt x="6562951" y="30700"/>
-                </a:lnTo>
-                <a:cubicBezTo>
-                  <a:pt x="6559126" y="84364"/>
-                  <a:pt x="6548218" y="241149"/>
-                  <a:pt x="6547446" y="310025"/>
-                </a:cubicBezTo>
-                <a:cubicBezTo>
-                  <a:pt x="6550151" y="367544"/>
-                  <a:pt x="6557712" y="408251"/>
-                  <a:pt x="6558316" y="443960"/>
-                </a:cubicBezTo>
-                <a:cubicBezTo>
-                  <a:pt x="6555224" y="499397"/>
-                  <a:pt x="6534767" y="604434"/>
-                  <a:pt x="6528896" y="642659"/>
-                </a:cubicBezTo>
-                <a:cubicBezTo>
-                  <a:pt x="6535204" y="657287"/>
-                  <a:pt x="6515365" y="658191"/>
-                  <a:pt x="6523095" y="673307"/>
-                </a:cubicBezTo>
-                <a:cubicBezTo>
-                  <a:pt x="6523388" y="693769"/>
-                  <a:pt x="6506868" y="797295"/>
-                  <a:pt x="6496169" y="839641"/>
-                </a:cubicBezTo>
-                <a:cubicBezTo>
-                  <a:pt x="6484119" y="887148"/>
-                  <a:pt x="6457817" y="937731"/>
-                  <a:pt x="6450789" y="958357"/>
-                </a:cubicBezTo>
-                <a:cubicBezTo>
-                  <a:pt x="6443760" y="978983"/>
-                  <a:pt x="6459217" y="936930"/>
-                  <a:pt x="6453996" y="963398"/>
-                </a:cubicBezTo>
-                <a:cubicBezTo>
-                  <a:pt x="6448777" y="989867"/>
-                  <a:pt x="6425575" y="1087010"/>
-                  <a:pt x="6419467" y="1117169"/>
-                </a:cubicBezTo>
-                <a:cubicBezTo>
-                  <a:pt x="6431540" y="1118586"/>
-                  <a:pt x="6409651" y="1135372"/>
-                  <a:pt x="6417348" y="1144352"/>
-                </a:cubicBezTo>
-                <a:cubicBezTo>
-                  <a:pt x="6424109" y="1150681"/>
-                  <a:pt x="6419047" y="1157251"/>
-                  <a:pt x="6418473" y="1164484"/>
-                </a:cubicBezTo>
-                <a:cubicBezTo>
-                  <a:pt x="6423767" y="1173524"/>
-                  <a:pt x="6413947" y="1205209"/>
-                  <a:pt x="6406979" y="1213829"/>
-                </a:cubicBezTo>
-                <a:cubicBezTo>
-                  <a:pt x="6382818" y="1235037"/>
-                  <a:pt x="6400452" y="1277327"/>
-                  <a:pt x="6381928" y="1294823"/>
-                </a:cubicBezTo>
-                <a:cubicBezTo>
-                  <a:pt x="6379195" y="1300845"/>
-                  <a:pt x="6378069" y="1306615"/>
-                  <a:pt x="6377948" y="1312193"/>
-                </a:cubicBezTo>
-                <a:lnTo>
-                  <a:pt x="6379894" y="1327626"/>
-                </a:lnTo>
-                <a:lnTo>
-                  <a:pt x="6385024" y="1331644"/>
-                </a:lnTo>
-                <a:lnTo>
-                  <a:pt x="6383696" y="1341276"/>
-                </a:lnTo>
-                <a:cubicBezTo>
-                  <a:pt x="6383952" y="1342166"/>
-                  <a:pt x="6384208" y="1343055"/>
-                  <a:pt x="6384464" y="1343945"/>
-                </a:cubicBezTo>
-                <a:cubicBezTo>
-                  <a:pt x="6385957" y="1349040"/>
-                  <a:pt x="6387253" y="1354080"/>
-                  <a:pt x="6387748" y="1359134"/>
-                </a:cubicBezTo>
-                <a:cubicBezTo>
-                  <a:pt x="6384363" y="1373109"/>
-                  <a:pt x="6372802" y="1397612"/>
-                  <a:pt x="6364157" y="1427803"/>
-                </a:cubicBezTo>
-                <a:cubicBezTo>
-                  <a:pt x="6348141" y="1460349"/>
-                  <a:pt x="6348362" y="1505076"/>
-                  <a:pt x="6335874" y="1540278"/>
-                </a:cubicBezTo>
-                <a:lnTo>
-                  <a:pt x="6331892" y="1547262"/>
-                </a:lnTo>
-                <a:lnTo>
-                  <a:pt x="6332744" y="1577056"/>
-                </a:lnTo>
-                <a:cubicBezTo>
-                  <a:pt x="6335859" y="1582205"/>
-                  <a:pt x="6336674" y="1589568"/>
-                  <a:pt x="6333604" y="1595898"/>
-                </a:cubicBezTo>
-                <a:lnTo>
-                  <a:pt x="6324749" y="1703726"/>
-                </a:lnTo>
-                <a:cubicBezTo>
-                  <a:pt x="6324080" y="1739332"/>
-                  <a:pt x="6318019" y="1754453"/>
-                  <a:pt x="6329594" y="1809535"/>
-                </a:cubicBezTo>
-                <a:cubicBezTo>
-                  <a:pt x="6344930" y="1868036"/>
-                  <a:pt x="6323725" y="1952670"/>
-                  <a:pt x="6329062" y="2018310"/>
-                </a:cubicBezTo>
-                <a:cubicBezTo>
-                  <a:pt x="6308075" y="2053162"/>
-                  <a:pt x="6326925" y="2034561"/>
-                  <a:pt x="6321735" y="2071355"/>
-                </a:cubicBezTo>
-                <a:lnTo>
-                  <a:pt x="6322678" y="2141166"/>
-                </a:lnTo>
-                <a:lnTo>
-                  <a:pt x="6321340" y="2154548"/>
-                </a:lnTo>
-                <a:lnTo>
-                  <a:pt x="6316582" y="2158153"/>
-                </a:lnTo>
-                <a:lnTo>
-                  <a:pt x="6311428" y="2178174"/>
-                </a:lnTo>
-                <a:cubicBezTo>
-                  <a:pt x="6310177" y="2185696"/>
-                  <a:pt x="6309622" y="2193828"/>
-                  <a:pt x="6310192" y="2202858"/>
-                </a:cubicBezTo>
-                <a:cubicBezTo>
-                  <a:pt x="6319667" y="2232772"/>
-                  <a:pt x="6296459" y="2283357"/>
-                  <a:pt x="6309211" y="2320214"/>
-                </a:cubicBezTo>
-                <a:cubicBezTo>
-                  <a:pt x="6307537" y="2355906"/>
-                  <a:pt x="6302490" y="2394678"/>
-                  <a:pt x="6300151" y="2417011"/>
-                </a:cubicBezTo>
-                <a:cubicBezTo>
-                  <a:pt x="6292303" y="2426377"/>
-                  <a:pt x="6304439" y="2456509"/>
-                  <a:pt x="6295176" y="2454207"/>
-                </a:cubicBezTo>
-                <a:cubicBezTo>
-                  <a:pt x="6299335" y="2464947"/>
-                  <a:pt x="6297305" y="2476105"/>
-                  <a:pt x="6293727" y="2487203"/>
-                </a:cubicBezTo>
-                <a:lnTo>
-                  <a:pt x="6285477" y="2512282"/>
-                </a:lnTo>
-                <a:cubicBezTo>
-                  <a:pt x="6285720" y="2512961"/>
-                  <a:pt x="6285962" y="2513640"/>
-                  <a:pt x="6286205" y="2514318"/>
-                </a:cubicBezTo>
-                <a:cubicBezTo>
-                  <a:pt x="6292347" y="2534324"/>
-                  <a:pt x="6298487" y="2554328"/>
-                  <a:pt x="6304629" y="2574334"/>
-                </a:cubicBezTo>
-                <a:lnTo>
-                  <a:pt x="6303842" y="2579877"/>
-                </a:lnTo>
-                <a:cubicBezTo>
-                  <a:pt x="6303729" y="2585644"/>
-                  <a:pt x="6304006" y="2603388"/>
-                  <a:pt x="6303953" y="2608928"/>
-                </a:cubicBezTo>
-                <a:lnTo>
-                  <a:pt x="6303530" y="2613111"/>
-                </a:lnTo>
-                <a:lnTo>
-                  <a:pt x="6297474" y="2621996"/>
-                </a:lnTo>
-                <a:lnTo>
-                  <a:pt x="6299263" y="2634265"/>
-                </a:lnTo>
-                <a:lnTo>
-                  <a:pt x="6293065" y="2647237"/>
-                </a:lnTo>
-                <a:cubicBezTo>
-                  <a:pt x="6294685" y="2648158"/>
-                  <a:pt x="6296180" y="2649356"/>
-                  <a:pt x="6297496" y="2650786"/>
-                </a:cubicBezTo>
-                <a:lnTo>
-                  <a:pt x="6301708" y="2661993"/>
-                </a:lnTo>
-                <a:lnTo>
-                  <a:pt x="6295884" y="2670949"/>
-                </a:lnTo>
-                <a:cubicBezTo>
-                  <a:pt x="6304913" y="2672007"/>
-                  <a:pt x="6294429" y="2681695"/>
-                  <a:pt x="6291714" y="2690255"/>
-                </a:cubicBezTo>
-                <a:lnTo>
-                  <a:pt x="6292327" y="2695683"/>
-                </a:lnTo>
-                <a:lnTo>
-                  <a:pt x="6284410" y="2713964"/>
-                </a:lnTo>
-                <a:lnTo>
-                  <a:pt x="6280410" y="2730175"/>
-                </a:lnTo>
-                <a:lnTo>
-                  <a:pt x="6288082" y="2763497"/>
-                </a:lnTo>
-                <a:lnTo>
-                  <a:pt x="6260924" y="3051539"/>
-                </a:lnTo>
-                <a:cubicBezTo>
-                  <a:pt x="6251455" y="3165645"/>
-                  <a:pt x="6222174" y="3216611"/>
-                  <a:pt x="6210151" y="3335396"/>
-                </a:cubicBezTo>
-                <a:lnTo>
-                  <a:pt x="6212034" y="3456509"/>
-                </a:lnTo>
-                <a:lnTo>
-                  <a:pt x="6197490" y="3531827"/>
-                </a:lnTo>
-                <a:lnTo>
-                  <a:pt x="6208018" y="3570877"/>
-                </a:lnTo>
-                <a:lnTo>
-                  <a:pt x="6205920" y="3583849"/>
-                </a:lnTo>
-                <a:lnTo>
-                  <a:pt x="6199616" y="3592763"/>
-                </a:lnTo>
-                <a:cubicBezTo>
-                  <a:pt x="6191839" y="3613948"/>
-                  <a:pt x="6196204" y="3641245"/>
-                  <a:pt x="6181288" y="3653485"/>
-                </a:cubicBezTo>
-                <a:cubicBezTo>
-                  <a:pt x="6178087" y="3659316"/>
-                  <a:pt x="6176516" y="3664985"/>
-                  <a:pt x="6175963" y="3670528"/>
-                </a:cubicBezTo>
-                <a:lnTo>
-                  <a:pt x="6176722" y="3685990"/>
-                </a:lnTo>
-                <a:lnTo>
-                  <a:pt x="6181549" y="3690283"/>
-                </a:lnTo>
-                <a:lnTo>
-                  <a:pt x="6179476" y="3699787"/>
-                </a:lnTo>
-                <a:cubicBezTo>
-                  <a:pt x="6179664" y="3700686"/>
-                  <a:pt x="6179852" y="3701586"/>
-                  <a:pt x="6180040" y="3702486"/>
-                </a:cubicBezTo>
-                <a:cubicBezTo>
-                  <a:pt x="6181140" y="3707637"/>
-                  <a:pt x="6182047" y="3712728"/>
-                  <a:pt x="6182155" y="3717784"/>
-                </a:cubicBezTo>
-                <a:cubicBezTo>
-                  <a:pt x="6156678" y="3711701"/>
-                  <a:pt x="6178864" y="3759789"/>
-                  <a:pt x="6158980" y="3746229"/>
-                </a:cubicBezTo>
-                <a:cubicBezTo>
-                  <a:pt x="6144630" y="3780750"/>
-                  <a:pt x="6117520" y="3867558"/>
-                  <a:pt x="6096049" y="3924910"/>
-                </a:cubicBezTo>
-                <a:lnTo>
-                  <a:pt x="6069712" y="3989353"/>
-                </a:lnTo>
-                <a:lnTo>
-                  <a:pt x="6067330" y="4033899"/>
-                </a:lnTo>
-                <a:cubicBezTo>
-                  <a:pt x="6065506" y="4070470"/>
-                  <a:pt x="6063599" y="4110146"/>
-                  <a:pt x="6061081" y="4142250"/>
-                </a:cubicBezTo>
-                <a:cubicBezTo>
-                  <a:pt x="6055260" y="4200007"/>
-                  <a:pt x="6045907" y="4278998"/>
-                  <a:pt x="6042858" y="4329442"/>
-                </a:cubicBezTo>
-                <a:cubicBezTo>
-                  <a:pt x="6038376" y="4381764"/>
-                  <a:pt x="6036461" y="4433012"/>
-                  <a:pt x="6034182" y="4456184"/>
-                </a:cubicBezTo>
-                <a:lnTo>
-                  <a:pt x="6029178" y="4468478"/>
-                </a:lnTo>
-                <a:lnTo>
-                  <a:pt x="6029974" y="4469862"/>
-                </a:lnTo>
-                <a:cubicBezTo>
-                  <a:pt x="6031287" y="4476321"/>
-                  <a:pt x="6030316" y="4480555"/>
-                  <a:pt x="6028340" y="4483797"/>
-                </a:cubicBezTo>
-                <a:lnTo>
-                  <a:pt x="6025168" y="4487091"/>
-                </a:lnTo>
-                <a:lnTo>
-                  <a:pt x="6023164" y="4496728"/>
-                </a:lnTo>
-                <a:lnTo>
-                  <a:pt x="6016839" y="4515918"/>
-                </a:lnTo>
-                <a:cubicBezTo>
-                  <a:pt x="6017189" y="4517049"/>
-                  <a:pt x="6017537" y="4518182"/>
-                  <a:pt x="6017886" y="4519316"/>
-                </a:cubicBezTo>
-                <a:lnTo>
-                  <a:pt x="6011819" y="4547957"/>
-                </a:lnTo>
-                <a:lnTo>
-                  <a:pt x="6012791" y="4548262"/>
-                </a:lnTo>
-                <a:cubicBezTo>
-                  <a:pt x="6014837" y="4549595"/>
-                  <a:pt x="6016087" y="4551811"/>
-                  <a:pt x="6015703" y="4555939"/>
-                </a:cubicBezTo>
-                <a:cubicBezTo>
-                  <a:pt x="6031790" y="4548276"/>
-                  <a:pt x="6021405" y="4557977"/>
-                  <a:pt x="6018854" y="4570815"/>
-                </a:cubicBezTo>
-                <a:cubicBezTo>
-                  <a:pt x="6021736" y="4583801"/>
-                  <a:pt x="6030754" y="4622347"/>
-                  <a:pt x="6033000" y="4633846"/>
-                </a:cubicBezTo>
-                <a:lnTo>
-                  <a:pt x="6032325" y="4639816"/>
-                </a:lnTo>
-                <a:lnTo>
-                  <a:pt x="6032549" y="4639923"/>
-                </a:lnTo>
-                <a:cubicBezTo>
-                  <a:pt x="6032911" y="4641190"/>
-                  <a:pt x="6032878" y="4643141"/>
-                  <a:pt x="6032309" y="4646192"/>
-                </a:cubicBezTo>
-                <a:lnTo>
-                  <a:pt x="6031095" y="4650706"/>
-                </a:lnTo>
-                <a:lnTo>
-                  <a:pt x="6029786" y="4662290"/>
-                </a:lnTo>
-                <a:cubicBezTo>
-                  <a:pt x="6030161" y="4663587"/>
-                  <a:pt x="6030536" y="4664883"/>
-                  <a:pt x="6030911" y="4666180"/>
-                </a:cubicBezTo>
-                <a:lnTo>
-                  <a:pt x="6033630" y="4667585"/>
-                </a:lnTo>
-                <a:lnTo>
-                  <a:pt x="6033189" y="4668660"/>
-                </a:lnTo>
-                <a:cubicBezTo>
-                  <a:pt x="6027286" y="4676831"/>
-                  <a:pt x="6019767" y="4679345"/>
-                  <a:pt x="6038764" y="4689807"/>
-                </a:cubicBezTo>
-                <a:cubicBezTo>
-                  <a:pt x="6028616" y="4708535"/>
-                  <a:pt x="6040474" y="4712235"/>
-                  <a:pt x="6042217" y="4737890"/>
-                </a:cubicBezTo>
-                <a:cubicBezTo>
-                  <a:pt x="6033362" y="4748600"/>
-                  <a:pt x="6035273" y="4757223"/>
-                  <a:pt x="6040543" y="4765657"/>
-                </a:cubicBezTo>
-                <a:cubicBezTo>
-                  <a:pt x="6034416" y="4790618"/>
-                  <a:pt x="6040696" y="4813399"/>
-                  <a:pt x="6039956" y="4841463"/>
-                </a:cubicBezTo>
-                <a:lnTo>
-                  <a:pt x="6057123" y="4969863"/>
-                </a:lnTo>
-                <a:lnTo>
-                  <a:pt x="6055039" y="4974028"/>
-                </a:lnTo>
-                <a:cubicBezTo>
-                  <a:pt x="6053860" y="4976933"/>
-                  <a:pt x="6053409" y="4978909"/>
-                  <a:pt x="6053462" y="4980318"/>
-                </a:cubicBezTo>
-                <a:lnTo>
-                  <a:pt x="6053643" y="4980501"/>
-                </a:lnTo>
-                <a:lnTo>
-                  <a:pt x="6051733" y="4986338"/>
-                </a:lnTo>
-                <a:lnTo>
-                  <a:pt x="6049602" y="4991296"/>
-                </a:lnTo>
-                <a:cubicBezTo>
-                  <a:pt x="6058123" y="5019829"/>
-                  <a:pt x="6066643" y="5048361"/>
-                  <a:pt x="6075165" y="5076895"/>
-                </a:cubicBezTo>
-                <a:lnTo>
-                  <a:pt x="6073751" y="5081568"/>
-                </a:lnTo>
-                <a:cubicBezTo>
-                  <a:pt x="6073034" y="5084748"/>
-                  <a:pt x="6072888" y="5086810"/>
-                  <a:pt x="6073150" y="5088173"/>
-                </a:cubicBezTo>
-                <a:lnTo>
-                  <a:pt x="6073355" y="5088300"/>
-                </a:lnTo>
-                <a:lnTo>
-                  <a:pt x="6072362" y="5094558"/>
-                </a:lnTo>
-                <a:cubicBezTo>
-                  <a:pt x="6070184" y="5105196"/>
-                  <a:pt x="6067588" y="5115626"/>
-                  <a:pt x="6064726" y="5125620"/>
-                </a:cubicBezTo>
-                <a:cubicBezTo>
-                  <a:pt x="6063568" y="5154527"/>
-                  <a:pt x="6065189" y="5244020"/>
-                  <a:pt x="6065415" y="5268004"/>
-                </a:cubicBezTo>
-                <a:cubicBezTo>
-                  <a:pt x="6065637" y="5268513"/>
-                  <a:pt x="6065860" y="5269021"/>
-                  <a:pt x="6066081" y="5269530"/>
-                </a:cubicBezTo>
-                <a:lnTo>
-                  <a:pt x="6043407" y="5390941"/>
-                </a:lnTo>
-                <a:cubicBezTo>
-                  <a:pt x="6032545" y="5438194"/>
-                  <a:pt x="6020942" y="5465286"/>
-                  <a:pt x="6025377" y="5539927"/>
-                </a:cubicBezTo>
-                <a:cubicBezTo>
-                  <a:pt x="6019787" y="5610775"/>
-                  <a:pt x="6013913" y="5740573"/>
-                  <a:pt x="6010052" y="5791594"/>
-                </a:cubicBezTo>
-                <a:cubicBezTo>
-                  <a:pt x="5989401" y="5787060"/>
-                  <a:pt x="6018524" y="5849672"/>
-                  <a:pt x="5994220" y="5855206"/>
-                </a:cubicBezTo>
-                <a:cubicBezTo>
-                  <a:pt x="5995282" y="5860240"/>
-                  <a:pt x="5980598" y="5868910"/>
-                  <a:pt x="5982580" y="5873582"/>
-                </a:cubicBezTo>
-                <a:cubicBezTo>
-                  <a:pt x="5982922" y="5874401"/>
-                  <a:pt x="5983265" y="5875218"/>
-                  <a:pt x="5983608" y="5876037"/>
-                </a:cubicBezTo>
-                <a:lnTo>
-                  <a:pt x="5983535" y="5886534"/>
-                </a:lnTo>
-                <a:lnTo>
-                  <a:pt x="5988737" y="5888644"/>
-                </a:lnTo>
-                <a:cubicBezTo>
-                  <a:pt x="5989948" y="5893707"/>
-                  <a:pt x="5991159" y="5898769"/>
-                  <a:pt x="5992371" y="5903832"/>
-                </a:cubicBezTo>
-                <a:cubicBezTo>
-                  <a:pt x="5992924" y="5909651"/>
-                  <a:pt x="5992578" y="5916068"/>
-                  <a:pt x="5990780" y="5923391"/>
-                </a:cubicBezTo>
-                <a:cubicBezTo>
-                  <a:pt x="5975822" y="5948880"/>
-                  <a:pt x="6013580" y="5981626"/>
-                  <a:pt x="5993870" y="6013205"/>
-                </a:cubicBezTo>
-                <a:cubicBezTo>
-                  <a:pt x="5988486" y="6024901"/>
-                  <a:pt x="5991718" y="6066777"/>
-                  <a:pt x="5997673" y="6074018"/>
-                </a:cubicBezTo>
-                <a:cubicBezTo>
-                  <a:pt x="5998007" y="6081731"/>
-                  <a:pt x="6007861" y="6126985"/>
-                  <a:pt x="6014840" y="6130837"/>
-                </a:cubicBezTo>
-                <a:cubicBezTo>
-                  <a:pt x="6022998" y="6137057"/>
-                  <a:pt x="5999420" y="6156330"/>
-                  <a:pt x="6010704" y="6152982"/>
-                </a:cubicBezTo>
-                <a:cubicBezTo>
-                  <a:pt x="6008682" y="6186619"/>
-                  <a:pt x="6039938" y="6191636"/>
-                  <a:pt x="6038294" y="6221100"/>
-                </a:cubicBezTo>
-                <a:cubicBezTo>
-                  <a:pt x="6039643" y="6222126"/>
-                  <a:pt x="6046356" y="6257468"/>
-                  <a:pt x="6052331" y="6287550"/>
-                </a:cubicBezTo>
-                <a:cubicBezTo>
-                  <a:pt x="6058307" y="6317632"/>
-                  <a:pt x="6082079" y="6391312"/>
-                  <a:pt x="6074143" y="6401595"/>
-                </a:cubicBezTo>
-                <a:cubicBezTo>
-                  <a:pt x="6074931" y="6423902"/>
-                  <a:pt x="6059614" y="6432919"/>
-                  <a:pt x="6060199" y="6487110"/>
-                </a:cubicBezTo>
-                <a:cubicBezTo>
-                  <a:pt x="6075583" y="6574474"/>
-                  <a:pt x="6076150" y="6553611"/>
-                  <a:pt x="6081156" y="6588589"/>
-                </a:cubicBezTo>
-                <a:cubicBezTo>
-                  <a:pt x="6102088" y="6637976"/>
-                  <a:pt x="6067660" y="6687723"/>
-                  <a:pt x="6114944" y="6769963"/>
-                </a:cubicBezTo>
-                <a:cubicBezTo>
-                  <a:pt x="6130462" y="6819284"/>
-                  <a:pt x="6119243" y="6817955"/>
-                  <a:pt x="6128950" y="6835814"/>
-                </a:cubicBezTo>
-                <a:lnTo>
-                  <a:pt x="6132536" y="6858000"/>
-                </a:lnTo>
-                <a:lnTo>
-                  <a:pt x="4789511" y="6858000"/>
-                </a:lnTo>
-                <a:lnTo>
-                  <a:pt x="1866294" y="6858000"/>
-                </a:lnTo>
-                <a:lnTo>
-                  <a:pt x="1705866" y="6858000"/>
-                </a:lnTo>
-                <a:lnTo>
-                  <a:pt x="1343025" y="6858000"/>
-                </a:lnTo>
-                <a:lnTo>
-                  <a:pt x="523269" y="6858000"/>
-                </a:lnTo>
-                <a:lnTo>
-                  <a:pt x="362841" y="6858000"/>
-                </a:lnTo>
-                <a:lnTo>
-                  <a:pt x="0" y="6858000"/>
-                </a:lnTo>
-                <a:close/>
-              </a:path>
-            </a:pathLst>
-          </a:custGeom>
-          <a:solidFill>
-            <a:srgbClr val="82766A">
-              <a:alpha val="15000"/>
-            </a:srgbClr>
-          </a:solidFill>
-          <a:ln>
-            <a:noFill/>
-          </a:ln>
-        </p:spPr>
-        <p:style>
-          <a:lnRef idx="2">
-            <a:schemeClr val="accent1">
-              <a:shade val="50000"/>
-            </a:schemeClr>
-          </a:lnRef>
-          <a:fillRef idx="1">
-            <a:schemeClr val="accent1"/>
-          </a:fillRef>
-          <a:effectRef idx="0">
-            <a:schemeClr val="accent1"/>
-          </a:effectRef>
-          <a:fontRef idx="minor">
-            <a:schemeClr val="lt1"/>
-          </a:fontRef>
-        </p:style>
-        <p:txBody>
-          <a:bodyPr wrap="square" rtlCol="0" anchor="ctr">
-            <a:noAutofit/>
-          </a:bodyPr>
-          <a:lstStyle/>
-          <a:p>
-            <a:pPr algn="ctr"/>
-            <a:endParaRPr lang="en-US"/>
-          </a:p>
-        </p:txBody>
-      </p:sp>
-      <p:sp>
-        <p:nvSpPr>
-          <p:cNvPr id="2" name="Title 1">
-            <a:extLst>
-              <a:ext uri="{FF2B5EF4-FFF2-40B4-BE49-F238E27FC236}">
-                <a16:creationId xmlns:a16="http://schemas.microsoft.com/office/drawing/2014/main" id="{71C63CA1-9966-D04D-43CB-1AE29B2EA812}"/>
-              </a:ext>
-            </a:extLst>
-          </p:cNvPr>
-          <p:cNvSpPr>
-            <a:spLocks noGrp="1"/>
-          </p:cNvSpPr>
-          <p:nvPr>
-            <p:ph type="title"/>
-          </p:nvPr>
-        </p:nvSpPr>
-        <p:spPr>
-          <a:xfrm>
-            <a:off x="1137034" y="609600"/>
-            <a:ext cx="3178488" cy="1330840"/>
-          </a:xfrm>
-        </p:spPr>
-        <p:txBody>
-          <a:bodyPr vert="horz" lIns="91440" tIns="45720" rIns="91440" bIns="45720" rtlCol="0" anchor="ctr">
-            <a:normAutofit/>
-          </a:bodyPr>
-          <a:lstStyle/>
-          <a:p>
-            <a:r>
-              <a:rPr lang="en-US" kern="1200" dirty="0">
-                <a:solidFill>
-                  <a:schemeClr val="tx1"/>
-                </a:solidFill>
-                <a:latin typeface="+mj-lt"/>
-                <a:ea typeface="+mj-ea"/>
-                <a:cs typeface="+mj-cs"/>
-              </a:rPr>
-              <a:t>Qui suis-je ?</a:t>
-            </a:r>
-          </a:p>
-        </p:txBody>
-      </p:sp>
-      <p:sp>
-        <p:nvSpPr>
-          <p:cNvPr id="8" name="TextBox 7">
-            <a:extLst>
-              <a:ext uri="{FF2B5EF4-FFF2-40B4-BE49-F238E27FC236}">
-                <a16:creationId xmlns:a16="http://schemas.microsoft.com/office/drawing/2014/main" id="{00827941-1FB9-C495-106C-9EF8573A9FCD}"/>
-              </a:ext>
-            </a:extLst>
-          </p:cNvPr>
-          <p:cNvSpPr txBox="1"/>
-          <p:nvPr/>
-        </p:nvSpPr>
-        <p:spPr>
-          <a:xfrm>
-            <a:off x="1614485" y="2999679"/>
-            <a:ext cx="3513024" cy="1330840"/>
-          </a:xfrm>
-          <a:prstGeom prst="rect">
-            <a:avLst/>
-          </a:prstGeom>
-        </p:spPr>
-        <p:txBody>
-          <a:bodyPr vert="horz" lIns="91440" tIns="45720" rIns="91440" bIns="45720" rtlCol="0">
-            <a:normAutofit/>
-          </a:bodyPr>
-          <a:lstStyle/>
-          <a:p>
-            <a:pPr indent="-228600">
-              <a:lnSpc>
-                <a:spcPct val="90000"/>
-              </a:lnSpc>
-              <a:spcAft>
-                <a:spcPts val="600"/>
-              </a:spcAft>
-              <a:buFont typeface="Arial" panose="020B0604020202020204" pitchFamily="34" charset="0"/>
-              <a:buChar char="•"/>
-            </a:pPr>
-            <a:r>
-              <a:rPr lang="fr-FR" sz="2400" dirty="0"/>
-              <a:t>Baptiste Crepin</a:t>
-            </a:r>
-          </a:p>
-          <a:p>
-            <a:pPr indent="-228600">
-              <a:lnSpc>
-                <a:spcPct val="90000"/>
-              </a:lnSpc>
-              <a:spcAft>
-                <a:spcPts val="600"/>
-              </a:spcAft>
-              <a:buFont typeface="Arial" panose="020B0604020202020204" pitchFamily="34" charset="0"/>
-              <a:buChar char="•"/>
-            </a:pPr>
-            <a:r>
-              <a:rPr lang="fr-FR" sz="2400" dirty="0"/>
-              <a:t>Développeur </a:t>
-            </a:r>
-            <a:r>
-              <a:rPr lang="fr-FR" sz="2400" dirty="0" err="1"/>
-              <a:t>Front-End</a:t>
-            </a:r>
-            <a:endParaRPr lang="fr-FR" sz="2400" dirty="0"/>
-          </a:p>
-          <a:p>
-            <a:pPr indent="-228600">
-              <a:lnSpc>
-                <a:spcPct val="90000"/>
-              </a:lnSpc>
-              <a:spcAft>
-                <a:spcPts val="600"/>
-              </a:spcAft>
-              <a:buFont typeface="Arial" panose="020B0604020202020204" pitchFamily="34" charset="0"/>
-              <a:buChar char="•"/>
-            </a:pPr>
-            <a:r>
-              <a:rPr lang="fr-FR" sz="2400" dirty="0"/>
-              <a:t>En charge de ce projet</a:t>
-            </a:r>
-          </a:p>
-        </p:txBody>
-      </p:sp>
-      <p:pic>
-        <p:nvPicPr>
-          <p:cNvPr id="7" name="Content Placeholder 6" descr="A person wearing glasses&#10;&#10;Description automatically generated with medium confidence">
-            <a:extLst>
-              <a:ext uri="{FF2B5EF4-FFF2-40B4-BE49-F238E27FC236}">
-                <a16:creationId xmlns:a16="http://schemas.microsoft.com/office/drawing/2014/main" id="{D85B5D42-B3C9-A422-EFF7-B450711C6E37}"/>
-              </a:ext>
-            </a:extLst>
-          </p:cNvPr>
-          <p:cNvPicPr>
-            <a:picLocks noGrp="1" noChangeAspect="1"/>
-          </p:cNvPicPr>
-          <p:nvPr>
-            <p:ph idx="1"/>
-          </p:nvPr>
-        </p:nvPicPr>
-        <p:blipFill rotWithShape="1">
-          <a:blip r:embed="rId2"/>
-          <a:srcRect l="18889" t="21361" b="4475"/>
-          <a:stretch/>
-        </p:blipFill>
-        <p:spPr>
-          <a:xfrm>
-            <a:off x="7747213" y="1332340"/>
-            <a:ext cx="3439567" cy="4193319"/>
-          </a:xfrm>
-          <a:prstGeom prst="rect">
-            <a:avLst/>
-          </a:prstGeom>
-        </p:spPr>
-      </p:pic>
-      <p:sp>
-        <p:nvSpPr>
-          <p:cNvPr id="4" name="Footer Placeholder 3">
-            <a:extLst>
-              <a:ext uri="{FF2B5EF4-FFF2-40B4-BE49-F238E27FC236}">
-                <a16:creationId xmlns:a16="http://schemas.microsoft.com/office/drawing/2014/main" id="{CCCE359B-951A-5DF9-8BB4-BC4723C085A0}"/>
-              </a:ext>
-            </a:extLst>
-          </p:cNvPr>
-          <p:cNvSpPr>
-            <a:spLocks noGrp="1"/>
-          </p:cNvSpPr>
-          <p:nvPr>
-            <p:ph type="ftr" sz="quarter" idx="11"/>
-          </p:nvPr>
-        </p:nvSpPr>
-        <p:spPr>
-          <a:xfrm>
-            <a:off x="200722" y="6356350"/>
-            <a:ext cx="4114800" cy="365125"/>
-          </a:xfrm>
-        </p:spPr>
-        <p:txBody>
-          <a:bodyPr vert="horz" lIns="91440" tIns="45720" rIns="91440" bIns="45720" rtlCol="0" anchor="ctr">
-            <a:normAutofit/>
-          </a:bodyPr>
-          <a:lstStyle/>
-          <a:p>
-            <a:pPr>
-              <a:spcAft>
-                <a:spcPts val="600"/>
-              </a:spcAft>
-            </a:pPr>
-            <a:r>
-              <a:rPr lang="fr-FR" sz="1000" kern="1200" dirty="0">
-                <a:solidFill>
-                  <a:schemeClr val="tx1">
-                    <a:tint val="75000"/>
-                  </a:schemeClr>
-                </a:solidFill>
-                <a:latin typeface="+mn-lt"/>
-                <a:ea typeface="+mn-ea"/>
-                <a:cs typeface="+mn-cs"/>
-              </a:rPr>
-              <a:t>Projet puissance 4</a:t>
-            </a:r>
-          </a:p>
-        </p:txBody>
-      </p:sp>
-      <p:sp>
-        <p:nvSpPr>
-          <p:cNvPr id="5" name="Slide Number Placeholder 4">
-            <a:extLst>
-              <a:ext uri="{FF2B5EF4-FFF2-40B4-BE49-F238E27FC236}">
-                <a16:creationId xmlns:a16="http://schemas.microsoft.com/office/drawing/2014/main" id="{09696D16-8241-1248-DB72-3D0F30DAD946}"/>
-              </a:ext>
-            </a:extLst>
-          </p:cNvPr>
-          <p:cNvSpPr>
-            <a:spLocks noGrp="1"/>
-          </p:cNvSpPr>
-          <p:nvPr>
-            <p:ph type="sldNum" sz="quarter" idx="12"/>
-          </p:nvPr>
-        </p:nvSpPr>
-        <p:spPr>
-          <a:xfrm>
-            <a:off x="8610600" y="6356350"/>
-            <a:ext cx="2743200" cy="365125"/>
-          </a:xfrm>
-        </p:spPr>
-        <p:txBody>
-          <a:bodyPr vert="horz" lIns="91440" tIns="45720" rIns="91440" bIns="45720" rtlCol="0" anchor="ctr">
-            <a:normAutofit/>
-          </a:bodyPr>
-          <a:lstStyle/>
-          <a:p>
-            <a:pPr>
-              <a:spcAft>
-                <a:spcPts val="600"/>
-              </a:spcAft>
-            </a:pPr>
-            <a:fld id="{187FB21E-1B03-0C42-9374-16DB4897BA14}" type="slidenum">
-              <a:rPr lang="en-US" sz="1000"/>
-              <a:pPr>
-                <a:spcAft>
-                  <a:spcPts val="600"/>
-                </a:spcAft>
-              </a:pPr>
-              <a:t>3</a:t>
-            </a:fld>
-            <a:endParaRPr lang="en-US" sz="1000"/>
-          </a:p>
-        </p:txBody>
-      </p:sp>
-    </p:spTree>
-    <p:extLst>
-      <p:ext uri="{BB962C8B-B14F-4D97-AF65-F5344CB8AC3E}">
-        <p14:creationId xmlns:p14="http://schemas.microsoft.com/office/powerpoint/2010/main" val="594594998"/>
       </p:ext>
     </p:extLst>
   </p:cSld>
@@ -18259,7 +18352,7 @@
             <p:ph idx="1"/>
             <p:extLst>
               <p:ext uri="{D42A27DB-BD31-4B8C-83A1-F6EECF244321}">
-                <p14:modId xmlns:p14="http://schemas.microsoft.com/office/powerpoint/2010/main" val="1410640983"/>
+                <p14:modId xmlns:p14="http://schemas.microsoft.com/office/powerpoint/2010/main" val="2928777958"/>
               </p:ext>
             </p:extLst>
           </p:nvPr>
@@ -18407,7 +18500,7 @@
                 <a:ea typeface="+mj-ea"/>
                 <a:cs typeface="+mj-cs"/>
               </a:rPr>
-              <a:t>Outils utilisées</a:t>
+              <a:t>Outils utilisés</a:t>
             </a:r>
           </a:p>
         </p:txBody>
